--- a/Hands-on Modules/Embedding/8. Resources.pptx
+++ b/Hands-on Modules/Embedding/8. Resources.pptx
@@ -6,24 +6,17 @@
     <p:sldMasterId id="2147483665" r:id="rId5"/>
   </p:sldMasterIdLst>
   <p:notesMasterIdLst>
-    <p:notesMasterId r:id="rId21"/>
+    <p:notesMasterId r:id="rId14"/>
   </p:notesMasterIdLst>
   <p:sldIdLst>
     <p:sldId id="300" r:id="rId6"/>
     <p:sldId id="312" r:id="rId7"/>
     <p:sldId id="323" r:id="rId8"/>
-    <p:sldId id="324" r:id="rId9"/>
-    <p:sldId id="263" r:id="rId10"/>
-    <p:sldId id="265" r:id="rId11"/>
-    <p:sldId id="325" r:id="rId12"/>
-    <p:sldId id="266" r:id="rId13"/>
-    <p:sldId id="267" r:id="rId14"/>
-    <p:sldId id="268" r:id="rId15"/>
-    <p:sldId id="275" r:id="rId16"/>
-    <p:sldId id="276" r:id="rId17"/>
-    <p:sldId id="333" r:id="rId18"/>
-    <p:sldId id="321" r:id="rId19"/>
-    <p:sldId id="315" r:id="rId20"/>
+    <p:sldId id="334" r:id="rId9"/>
+    <p:sldId id="335" r:id="rId10"/>
+    <p:sldId id="336" r:id="rId11"/>
+    <p:sldId id="333" r:id="rId12"/>
+    <p:sldId id="315" r:id="rId13"/>
   </p:sldIdLst>
   <p:sldSz cx="12192000" cy="6858000"/>
   <p:notesSz cx="6858000" cy="9144000"/>
@@ -221,7 +214,7 @@
           <a:p>
             <a:fld id="{52A13B17-C506-4D51-BB37-16B365906619}" type="datetimeFigureOut">
               <a:rPr lang="en-US" smtClean="0"/>
-              <a:t>2/21/2019</a:t>
+              <a:t>2/26/2019</a:t>
             </a:fld>
             <a:endParaRPr lang="en-US"/>
           </a:p>
@@ -770,7 +763,7 @@
           <a:p>
             <a:fld id="{35A2D088-BDBD-41A5-ADCE-5C6A4DC08057}" type="datetime8">
               <a:rPr lang="en-US" smtClean="0"/>
-              <a:t>2/21/2019 10:22 PM</a:t>
+              <a:t>2/26/2019 10:34 AM</a:t>
             </a:fld>
             <a:endParaRPr lang="en-US" dirty="0"/>
           </a:p>
@@ -941,93 +934,6 @@
           <a:bodyPr/>
           <a:lstStyle/>
           <a:p>
-            <a:r>
-              <a:rPr lang="en-US" dirty="0"/>
-              <a:t>https://docs.microsoft.com/en-us/power-bi/developer/embedding</a:t>
-            </a:r>
-          </a:p>
-        </p:txBody>
-      </p:sp>
-      <p:sp>
-        <p:nvSpPr>
-          <p:cNvPr id="4" name="Slide Number Placeholder 3"/>
-          <p:cNvSpPr>
-            <a:spLocks noGrp="1"/>
-          </p:cNvSpPr>
-          <p:nvPr>
-            <p:ph type="sldNum" sz="quarter" idx="5"/>
-          </p:nvPr>
-        </p:nvSpPr>
-        <p:spPr/>
-        <p:txBody>
-          <a:bodyPr/>
-          <a:lstStyle/>
-          <a:p>
-            <a:fld id="{E6761AD9-DA11-4F49-B2E9-E9A671D97C71}" type="slidenum">
-              <a:rPr lang="en-US" smtClean="0"/>
-              <a:t>7</a:t>
-            </a:fld>
-            <a:endParaRPr lang="en-US"/>
-          </a:p>
-        </p:txBody>
-      </p:sp>
-    </p:spTree>
-    <p:extLst>
-      <p:ext uri="{BB962C8B-B14F-4D97-AF65-F5344CB8AC3E}">
-        <p14:creationId xmlns:p14="http://schemas.microsoft.com/office/powerpoint/2010/main" val="2309842889"/>
-      </p:ext>
-    </p:extLst>
-  </p:cSld>
-  <p:clrMapOvr>
-    <a:masterClrMapping/>
-  </p:clrMapOvr>
-</p:notes>
-</file>
-
-<file path=ppt/notesSlides/notesSlide5.xml><?xml version="1.0" encoding="utf-8"?>
-<p:notes xmlns:a="http://schemas.openxmlformats.org/drawingml/2006/main" xmlns:r="http://schemas.openxmlformats.org/officeDocument/2006/relationships" xmlns:p="http://schemas.openxmlformats.org/presentationml/2006/main">
-  <p:cSld>
-    <p:spTree>
-      <p:nvGrpSpPr>
-        <p:cNvPr id="1" name=""/>
-        <p:cNvGrpSpPr/>
-        <p:nvPr/>
-      </p:nvGrpSpPr>
-      <p:grpSpPr>
-        <a:xfrm>
-          <a:off x="0" y="0"/>
-          <a:ext cx="0" cy="0"/>
-          <a:chOff x="0" y="0"/>
-          <a:chExt cx="0" cy="0"/>
-        </a:xfrm>
-      </p:grpSpPr>
-      <p:sp>
-        <p:nvSpPr>
-          <p:cNvPr id="2" name="Slide Image Placeholder 1"/>
-          <p:cNvSpPr>
-            <a:spLocks noGrp="1" noRot="1" noChangeAspect="1"/>
-          </p:cNvSpPr>
-          <p:nvPr>
-            <p:ph type="sldImg"/>
-          </p:nvPr>
-        </p:nvSpPr>
-        <p:spPr/>
-      </p:sp>
-      <p:sp>
-        <p:nvSpPr>
-          <p:cNvPr id="3" name="Notes Placeholder 2"/>
-          <p:cNvSpPr>
-            <a:spLocks noGrp="1"/>
-          </p:cNvSpPr>
-          <p:nvPr>
-            <p:ph type="body" idx="1"/>
-          </p:nvPr>
-        </p:nvSpPr>
-        <p:spPr/>
-        <p:txBody>
-          <a:bodyPr/>
-          <a:lstStyle/>
-          <a:p>
             <a:endParaRPr lang="en-US" dirty="0"/>
           </a:p>
         </p:txBody>
@@ -1122,7 +1028,7 @@
           <a:p>
             <a:fld id="{35A2D088-BDBD-41A5-ADCE-5C6A4DC08057}" type="datetime8">
               <a:rPr lang="en-US" smtClean="0"/>
-              <a:t>2/21/2019 10:22 PM</a:t>
+              <a:t>2/26/2019 10:34 AM</a:t>
             </a:fld>
             <a:endParaRPr lang="en-US" dirty="0"/>
           </a:p>
@@ -1146,7 +1052,7 @@
             <a:fld id="{B4008EB6-D09E-4580-8CD6-DDB14511944F}" type="slidenum">
               <a:rPr lang="en-US" smtClean="0"/>
               <a:pPr/>
-              <a:t>13</a:t>
+              <a:t>7</a:t>
             </a:fld>
             <a:endParaRPr lang="en-US" dirty="0"/>
           </a:p>
@@ -1165,91 +1071,7 @@
 </p:notes>
 </file>
 
-<file path=ppt/notesSlides/notesSlide6.xml><?xml version="1.0" encoding="utf-8"?>
-<p:notes xmlns:a="http://schemas.openxmlformats.org/drawingml/2006/main" xmlns:r="http://schemas.openxmlformats.org/officeDocument/2006/relationships" xmlns:p="http://schemas.openxmlformats.org/presentationml/2006/main">
-  <p:cSld>
-    <p:spTree>
-      <p:nvGrpSpPr>
-        <p:cNvPr id="1" name=""/>
-        <p:cNvGrpSpPr/>
-        <p:nvPr/>
-      </p:nvGrpSpPr>
-      <p:grpSpPr>
-        <a:xfrm>
-          <a:off x="0" y="0"/>
-          <a:ext cx="0" cy="0"/>
-          <a:chOff x="0" y="0"/>
-          <a:chExt cx="0" cy="0"/>
-        </a:xfrm>
-      </p:grpSpPr>
-      <p:sp>
-        <p:nvSpPr>
-          <p:cNvPr id="2" name="Slide Image Placeholder 1"/>
-          <p:cNvSpPr>
-            <a:spLocks noGrp="1" noRot="1" noChangeAspect="1"/>
-          </p:cNvSpPr>
-          <p:nvPr>
-            <p:ph type="sldImg"/>
-          </p:nvPr>
-        </p:nvSpPr>
-        <p:spPr/>
-      </p:sp>
-      <p:sp>
-        <p:nvSpPr>
-          <p:cNvPr id="3" name="Notes Placeholder 2"/>
-          <p:cNvSpPr>
-            <a:spLocks noGrp="1"/>
-          </p:cNvSpPr>
-          <p:nvPr>
-            <p:ph type="body" idx="1"/>
-          </p:nvPr>
-        </p:nvSpPr>
-        <p:spPr/>
-        <p:txBody>
-          <a:bodyPr/>
-          <a:lstStyle/>
-          <a:p>
-            <a:endParaRPr lang="en-US" dirty="0"/>
-          </a:p>
-        </p:txBody>
-      </p:sp>
-      <p:sp>
-        <p:nvSpPr>
-          <p:cNvPr id="4" name="Slide Number Placeholder 3"/>
-          <p:cNvSpPr>
-            <a:spLocks noGrp="1"/>
-          </p:cNvSpPr>
-          <p:nvPr>
-            <p:ph type="sldNum" sz="quarter" idx="10"/>
-          </p:nvPr>
-        </p:nvSpPr>
-        <p:spPr/>
-        <p:txBody>
-          <a:bodyPr/>
-          <a:lstStyle/>
-          <a:p>
-            <a:fld id="{0998D5BB-B127-481F-BC0A-2F77C576BB34}" type="slidenum">
-              <a:rPr lang="en-US" smtClean="0"/>
-              <a:t>14</a:t>
-            </a:fld>
-            <a:endParaRPr lang="en-US"/>
-          </a:p>
-        </p:txBody>
-      </p:sp>
-    </p:spTree>
-    <p:extLst>
-      <p:ext uri="{BB962C8B-B14F-4D97-AF65-F5344CB8AC3E}">
-        <p14:creationId xmlns:p14="http://schemas.microsoft.com/office/powerpoint/2010/main" val="1579283386"/>
-      </p:ext>
-    </p:extLst>
-  </p:cSld>
-  <p:clrMapOvr>
-    <a:masterClrMapping/>
-  </p:clrMapOvr>
-</p:notes>
-</file>
-
-<file path=ppt/notesSlides/notesSlide7.xml><?xml version="1.0" encoding="utf-8"?>
+<file path=ppt/notesSlides/notesSlide5.xml><?xml version="1.0" encoding="utf-8"?>
 <p:notes xmlns:a="http://schemas.openxmlformats.org/drawingml/2006/main" xmlns:r="http://schemas.openxmlformats.org/officeDocument/2006/relationships" xmlns:p="http://schemas.openxmlformats.org/presentationml/2006/main">
   <p:cSld>
     <p:spTree>
@@ -1356,7 +1178,7 @@
                   <a:prstClr val="black"/>
                 </a:solidFill>
               </a:rPr>
-              <a:t>2/21/2019 10:22 PM</a:t>
+              <a:t>2/26/2019 10:34 AM</a:t>
             </a:fld>
             <a:endParaRPr lang="en-US" dirty="0">
               <a:solidFill>
@@ -1388,7 +1210,7 @@
                 </a:solidFill>
               </a:rPr>
               <a:pPr/>
-              <a:t>15</a:t>
+              <a:t>8</a:t>
             </a:fld>
             <a:endParaRPr lang="en-US" dirty="0">
               <a:solidFill>
@@ -11502,7 +11324,7 @@
             <a:fld id="{2E809A50-B28D-413A-915D-87F91E5248C6}" type="datetimeFigureOut">
               <a:rPr lang="en-US" smtClean="0"/>
               <a:pPr/>
-              <a:t>2/21/2019</a:t>
+              <a:t>2/26/2019</a:t>
             </a:fld>
             <a:endParaRPr lang="en-US"/>
           </a:p>
@@ -11555,881 +11377,6 @@
     <p:extLst>
       <p:ext uri="{BB962C8B-B14F-4D97-AF65-F5344CB8AC3E}">
         <p14:creationId xmlns:p14="http://schemas.microsoft.com/office/powerpoint/2010/main" val="3531977097"/>
-      </p:ext>
-    </p:extLst>
-  </p:cSld>
-  <p:clrMapOvr>
-    <a:masterClrMapping/>
-  </p:clrMapOvr>
-</p:sldLayout>
-</file>
-
-<file path=ppt/slideLayouts/slideLayout31.xml><?xml version="1.0" encoding="utf-8"?>
-<p:sldLayout xmlns:a="http://schemas.openxmlformats.org/drawingml/2006/main" xmlns:r="http://schemas.openxmlformats.org/officeDocument/2006/relationships" xmlns:p="http://schemas.openxmlformats.org/presentationml/2006/main" type="obj">
-  <p:cSld name="1_Title and Content">
-    <p:spTree>
-      <p:nvGrpSpPr>
-        <p:cNvPr id="1" name=""/>
-        <p:cNvGrpSpPr/>
-        <p:nvPr/>
-      </p:nvGrpSpPr>
-      <p:grpSpPr>
-        <a:xfrm>
-          <a:off x="0" y="0"/>
-          <a:ext cx="0" cy="0"/>
-          <a:chOff x="0" y="0"/>
-          <a:chExt cx="0" cy="0"/>
-        </a:xfrm>
-      </p:grpSpPr>
-      <p:sp>
-        <p:nvSpPr>
-          <p:cNvPr id="2" name="Title 1">
-            <a:extLst>
-              <a:ext uri="{FF2B5EF4-FFF2-40B4-BE49-F238E27FC236}">
-                <a16:creationId xmlns:a16="http://schemas.microsoft.com/office/drawing/2014/main" id="{E3B48255-A010-4DD6-922E-0BEC27D95654}"/>
-              </a:ext>
-            </a:extLst>
-          </p:cNvPr>
-          <p:cNvSpPr>
-            <a:spLocks noGrp="1"/>
-          </p:cNvSpPr>
-          <p:nvPr>
-            <p:ph type="title"/>
-          </p:nvPr>
-        </p:nvSpPr>
-        <p:spPr/>
-        <p:txBody>
-          <a:bodyPr/>
-          <a:lstStyle/>
-          <a:p>
-            <a:r>
-              <a:rPr lang="en-US"/>
-              <a:t>Click to edit Master title style</a:t>
-            </a:r>
-          </a:p>
-        </p:txBody>
-      </p:sp>
-      <p:sp>
-        <p:nvSpPr>
-          <p:cNvPr id="3" name="Content Placeholder 2">
-            <a:extLst>
-              <a:ext uri="{FF2B5EF4-FFF2-40B4-BE49-F238E27FC236}">
-                <a16:creationId xmlns:a16="http://schemas.microsoft.com/office/drawing/2014/main" id="{F6F738C8-E566-4C48-AB10-4F32104064EA}"/>
-              </a:ext>
-            </a:extLst>
-          </p:cNvPr>
-          <p:cNvSpPr>
-            <a:spLocks noGrp="1"/>
-          </p:cNvSpPr>
-          <p:nvPr>
-            <p:ph idx="1"/>
-          </p:nvPr>
-        </p:nvSpPr>
-        <p:spPr/>
-        <p:txBody>
-          <a:bodyPr/>
-          <a:lstStyle/>
-          <a:p>
-            <a:pPr lvl="0"/>
-            <a:r>
-              <a:rPr lang="en-US"/>
-              <a:t>Edit Master text styles</a:t>
-            </a:r>
-          </a:p>
-          <a:p>
-            <a:pPr lvl="1"/>
-            <a:r>
-              <a:rPr lang="en-US"/>
-              <a:t>Second level</a:t>
-            </a:r>
-          </a:p>
-          <a:p>
-            <a:pPr lvl="2"/>
-            <a:r>
-              <a:rPr lang="en-US"/>
-              <a:t>Third level</a:t>
-            </a:r>
-          </a:p>
-          <a:p>
-            <a:pPr lvl="3"/>
-            <a:r>
-              <a:rPr lang="en-US"/>
-              <a:t>Fourth level</a:t>
-            </a:r>
-          </a:p>
-          <a:p>
-            <a:pPr lvl="4"/>
-            <a:r>
-              <a:rPr lang="en-US"/>
-              <a:t>Fifth level</a:t>
-            </a:r>
-          </a:p>
-        </p:txBody>
-      </p:sp>
-      <p:sp>
-        <p:nvSpPr>
-          <p:cNvPr id="4" name="Date Placeholder 3">
-            <a:extLst>
-              <a:ext uri="{FF2B5EF4-FFF2-40B4-BE49-F238E27FC236}">
-                <a16:creationId xmlns:a16="http://schemas.microsoft.com/office/drawing/2014/main" id="{098ED3E6-A087-4807-A462-9C5AACE614BE}"/>
-              </a:ext>
-            </a:extLst>
-          </p:cNvPr>
-          <p:cNvSpPr>
-            <a:spLocks noGrp="1"/>
-          </p:cNvSpPr>
-          <p:nvPr>
-            <p:ph type="dt" sz="half" idx="10"/>
-          </p:nvPr>
-        </p:nvSpPr>
-        <p:spPr/>
-        <p:txBody>
-          <a:bodyPr/>
-          <a:lstStyle/>
-          <a:p>
-            <a:fld id="{1279C872-40C5-4778-A459-913B2790679C}" type="datetimeFigureOut">
-              <a:rPr lang="en-US" smtClean="0"/>
-              <a:t>2/21/2019</a:t>
-            </a:fld>
-            <a:endParaRPr lang="en-US"/>
-          </a:p>
-        </p:txBody>
-      </p:sp>
-      <p:sp>
-        <p:nvSpPr>
-          <p:cNvPr id="5" name="Footer Placeholder 4">
-            <a:extLst>
-              <a:ext uri="{FF2B5EF4-FFF2-40B4-BE49-F238E27FC236}">
-                <a16:creationId xmlns:a16="http://schemas.microsoft.com/office/drawing/2014/main" id="{7E8D86CE-D5BF-43EC-8F71-EF28F5D3AC40}"/>
-              </a:ext>
-            </a:extLst>
-          </p:cNvPr>
-          <p:cNvSpPr>
-            <a:spLocks noGrp="1"/>
-          </p:cNvSpPr>
-          <p:nvPr>
-            <p:ph type="ftr" sz="quarter" idx="11"/>
-          </p:nvPr>
-        </p:nvSpPr>
-        <p:spPr/>
-        <p:txBody>
-          <a:bodyPr/>
-          <a:lstStyle/>
-          <a:p>
-            <a:endParaRPr lang="en-US"/>
-          </a:p>
-        </p:txBody>
-      </p:sp>
-      <p:sp>
-        <p:nvSpPr>
-          <p:cNvPr id="6" name="Slide Number Placeholder 5">
-            <a:extLst>
-              <a:ext uri="{FF2B5EF4-FFF2-40B4-BE49-F238E27FC236}">
-                <a16:creationId xmlns:a16="http://schemas.microsoft.com/office/drawing/2014/main" id="{744D5B51-7161-4A20-B3FC-57E5A962C76A}"/>
-              </a:ext>
-            </a:extLst>
-          </p:cNvPr>
-          <p:cNvSpPr>
-            <a:spLocks noGrp="1"/>
-          </p:cNvSpPr>
-          <p:nvPr>
-            <p:ph type="sldNum" sz="quarter" idx="12"/>
-          </p:nvPr>
-        </p:nvSpPr>
-        <p:spPr/>
-        <p:txBody>
-          <a:bodyPr/>
-          <a:lstStyle/>
-          <a:p>
-            <a:fld id="{A9750100-3570-4DE3-A91F-E57EAF767500}" type="slidenum">
-              <a:rPr lang="en-US" smtClean="0"/>
-              <a:t>‹#›</a:t>
-            </a:fld>
-            <a:endParaRPr lang="en-US"/>
-          </a:p>
-        </p:txBody>
-      </p:sp>
-    </p:spTree>
-    <p:extLst>
-      <p:ext uri="{BB962C8B-B14F-4D97-AF65-F5344CB8AC3E}">
-        <p14:creationId xmlns:p14="http://schemas.microsoft.com/office/powerpoint/2010/main" val="413498581"/>
-      </p:ext>
-    </p:extLst>
-  </p:cSld>
-  <p:clrMapOvr>
-    <a:masterClrMapping/>
-  </p:clrMapOvr>
-</p:sldLayout>
-</file>
-
-<file path=ppt/slideLayouts/slideLayout32.xml><?xml version="1.0" encoding="utf-8"?>
-<p:sldLayout xmlns:a="http://schemas.openxmlformats.org/drawingml/2006/main" xmlns:r="http://schemas.openxmlformats.org/officeDocument/2006/relationships" xmlns:p="http://schemas.openxmlformats.org/presentationml/2006/main" type="twoObj">
-  <p:cSld name="Two Content">
-    <p:spTree>
-      <p:nvGrpSpPr>
-        <p:cNvPr id="1" name=""/>
-        <p:cNvGrpSpPr/>
-        <p:nvPr/>
-      </p:nvGrpSpPr>
-      <p:grpSpPr>
-        <a:xfrm>
-          <a:off x="0" y="0"/>
-          <a:ext cx="0" cy="0"/>
-          <a:chOff x="0" y="0"/>
-          <a:chExt cx="0" cy="0"/>
-        </a:xfrm>
-      </p:grpSpPr>
-      <p:sp>
-        <p:nvSpPr>
-          <p:cNvPr id="2" name="Title 1">
-            <a:extLst>
-              <a:ext uri="{FF2B5EF4-FFF2-40B4-BE49-F238E27FC236}">
-                <a16:creationId xmlns:a16="http://schemas.microsoft.com/office/drawing/2014/main" id="{6C86E751-FF32-4C0E-B23D-E8A850169304}"/>
-              </a:ext>
-            </a:extLst>
-          </p:cNvPr>
-          <p:cNvSpPr>
-            <a:spLocks noGrp="1"/>
-          </p:cNvSpPr>
-          <p:nvPr>
-            <p:ph type="title"/>
-          </p:nvPr>
-        </p:nvSpPr>
-        <p:spPr/>
-        <p:txBody>
-          <a:bodyPr/>
-          <a:lstStyle/>
-          <a:p>
-            <a:r>
-              <a:rPr lang="en-US"/>
-              <a:t>Click to edit Master title style</a:t>
-            </a:r>
-          </a:p>
-        </p:txBody>
-      </p:sp>
-      <p:sp>
-        <p:nvSpPr>
-          <p:cNvPr id="3" name="Content Placeholder 2">
-            <a:extLst>
-              <a:ext uri="{FF2B5EF4-FFF2-40B4-BE49-F238E27FC236}">
-                <a16:creationId xmlns:a16="http://schemas.microsoft.com/office/drawing/2014/main" id="{B466D823-4ACC-4FFC-8058-F5FA9B0461BD}"/>
-              </a:ext>
-            </a:extLst>
-          </p:cNvPr>
-          <p:cNvSpPr>
-            <a:spLocks noGrp="1"/>
-          </p:cNvSpPr>
-          <p:nvPr>
-            <p:ph sz="half" idx="1"/>
-          </p:nvPr>
-        </p:nvSpPr>
-        <p:spPr>
-          <a:xfrm>
-            <a:off x="838200" y="1825625"/>
-            <a:ext cx="5181600" cy="4351338"/>
-          </a:xfrm>
-        </p:spPr>
-        <p:txBody>
-          <a:bodyPr/>
-          <a:lstStyle/>
-          <a:p>
-            <a:pPr lvl="0"/>
-            <a:r>
-              <a:rPr lang="en-US"/>
-              <a:t>Edit Master text styles</a:t>
-            </a:r>
-          </a:p>
-          <a:p>
-            <a:pPr lvl="1"/>
-            <a:r>
-              <a:rPr lang="en-US"/>
-              <a:t>Second level</a:t>
-            </a:r>
-          </a:p>
-          <a:p>
-            <a:pPr lvl="2"/>
-            <a:r>
-              <a:rPr lang="en-US"/>
-              <a:t>Third level</a:t>
-            </a:r>
-          </a:p>
-          <a:p>
-            <a:pPr lvl="3"/>
-            <a:r>
-              <a:rPr lang="en-US"/>
-              <a:t>Fourth level</a:t>
-            </a:r>
-          </a:p>
-          <a:p>
-            <a:pPr lvl="4"/>
-            <a:r>
-              <a:rPr lang="en-US"/>
-              <a:t>Fifth level</a:t>
-            </a:r>
-          </a:p>
-        </p:txBody>
-      </p:sp>
-      <p:sp>
-        <p:nvSpPr>
-          <p:cNvPr id="4" name="Content Placeholder 3">
-            <a:extLst>
-              <a:ext uri="{FF2B5EF4-FFF2-40B4-BE49-F238E27FC236}">
-                <a16:creationId xmlns:a16="http://schemas.microsoft.com/office/drawing/2014/main" id="{ACB4F94A-38F4-4D34-9DF4-1919343AB3CD}"/>
-              </a:ext>
-            </a:extLst>
-          </p:cNvPr>
-          <p:cNvSpPr>
-            <a:spLocks noGrp="1"/>
-          </p:cNvSpPr>
-          <p:nvPr>
-            <p:ph sz="half" idx="2"/>
-          </p:nvPr>
-        </p:nvSpPr>
-        <p:spPr>
-          <a:xfrm>
-            <a:off x="6172200" y="1825625"/>
-            <a:ext cx="5181600" cy="4351338"/>
-          </a:xfrm>
-        </p:spPr>
-        <p:txBody>
-          <a:bodyPr/>
-          <a:lstStyle/>
-          <a:p>
-            <a:pPr lvl="0"/>
-            <a:r>
-              <a:rPr lang="en-US"/>
-              <a:t>Edit Master text styles</a:t>
-            </a:r>
-          </a:p>
-          <a:p>
-            <a:pPr lvl="1"/>
-            <a:r>
-              <a:rPr lang="en-US"/>
-              <a:t>Second level</a:t>
-            </a:r>
-          </a:p>
-          <a:p>
-            <a:pPr lvl="2"/>
-            <a:r>
-              <a:rPr lang="en-US"/>
-              <a:t>Third level</a:t>
-            </a:r>
-          </a:p>
-          <a:p>
-            <a:pPr lvl="3"/>
-            <a:r>
-              <a:rPr lang="en-US"/>
-              <a:t>Fourth level</a:t>
-            </a:r>
-          </a:p>
-          <a:p>
-            <a:pPr lvl="4"/>
-            <a:r>
-              <a:rPr lang="en-US"/>
-              <a:t>Fifth level</a:t>
-            </a:r>
-          </a:p>
-        </p:txBody>
-      </p:sp>
-      <p:sp>
-        <p:nvSpPr>
-          <p:cNvPr id="5" name="Date Placeholder 4">
-            <a:extLst>
-              <a:ext uri="{FF2B5EF4-FFF2-40B4-BE49-F238E27FC236}">
-                <a16:creationId xmlns:a16="http://schemas.microsoft.com/office/drawing/2014/main" id="{B1921F6F-98C6-412B-8131-6DDD97AD81AF}"/>
-              </a:ext>
-            </a:extLst>
-          </p:cNvPr>
-          <p:cNvSpPr>
-            <a:spLocks noGrp="1"/>
-          </p:cNvSpPr>
-          <p:nvPr>
-            <p:ph type="dt" sz="half" idx="10"/>
-          </p:nvPr>
-        </p:nvSpPr>
-        <p:spPr/>
-        <p:txBody>
-          <a:bodyPr/>
-          <a:lstStyle/>
-          <a:p>
-            <a:fld id="{1279C872-40C5-4778-A459-913B2790679C}" type="datetimeFigureOut">
-              <a:rPr lang="en-US" smtClean="0"/>
-              <a:t>2/21/2019</a:t>
-            </a:fld>
-            <a:endParaRPr lang="en-US"/>
-          </a:p>
-        </p:txBody>
-      </p:sp>
-      <p:sp>
-        <p:nvSpPr>
-          <p:cNvPr id="6" name="Footer Placeholder 5">
-            <a:extLst>
-              <a:ext uri="{FF2B5EF4-FFF2-40B4-BE49-F238E27FC236}">
-                <a16:creationId xmlns:a16="http://schemas.microsoft.com/office/drawing/2014/main" id="{E1204D6B-FA1C-48DE-8CF1-3C1A80D7DEDE}"/>
-              </a:ext>
-            </a:extLst>
-          </p:cNvPr>
-          <p:cNvSpPr>
-            <a:spLocks noGrp="1"/>
-          </p:cNvSpPr>
-          <p:nvPr>
-            <p:ph type="ftr" sz="quarter" idx="11"/>
-          </p:nvPr>
-        </p:nvSpPr>
-        <p:spPr/>
-        <p:txBody>
-          <a:bodyPr/>
-          <a:lstStyle/>
-          <a:p>
-            <a:endParaRPr lang="en-US"/>
-          </a:p>
-        </p:txBody>
-      </p:sp>
-      <p:sp>
-        <p:nvSpPr>
-          <p:cNvPr id="7" name="Slide Number Placeholder 6">
-            <a:extLst>
-              <a:ext uri="{FF2B5EF4-FFF2-40B4-BE49-F238E27FC236}">
-                <a16:creationId xmlns:a16="http://schemas.microsoft.com/office/drawing/2014/main" id="{414A5F98-14B2-417B-82A7-965AB53F5B90}"/>
-              </a:ext>
-            </a:extLst>
-          </p:cNvPr>
-          <p:cNvSpPr>
-            <a:spLocks noGrp="1"/>
-          </p:cNvSpPr>
-          <p:nvPr>
-            <p:ph type="sldNum" sz="quarter" idx="12"/>
-          </p:nvPr>
-        </p:nvSpPr>
-        <p:spPr/>
-        <p:txBody>
-          <a:bodyPr/>
-          <a:lstStyle/>
-          <a:p>
-            <a:fld id="{A9750100-3570-4DE3-A91F-E57EAF767500}" type="slidenum">
-              <a:rPr lang="en-US" smtClean="0"/>
-              <a:t>‹#›</a:t>
-            </a:fld>
-            <a:endParaRPr lang="en-US"/>
-          </a:p>
-        </p:txBody>
-      </p:sp>
-    </p:spTree>
-    <p:extLst>
-      <p:ext uri="{BB962C8B-B14F-4D97-AF65-F5344CB8AC3E}">
-        <p14:creationId xmlns:p14="http://schemas.microsoft.com/office/powerpoint/2010/main" val="2238799010"/>
-      </p:ext>
-    </p:extLst>
-  </p:cSld>
-  <p:clrMapOvr>
-    <a:masterClrMapping/>
-  </p:clrMapOvr>
-</p:sldLayout>
-</file>
-
-<file path=ppt/slideLayouts/slideLayout33.xml><?xml version="1.0" encoding="utf-8"?>
-<p:sldLayout xmlns:a="http://schemas.openxmlformats.org/drawingml/2006/main" xmlns:r="http://schemas.openxmlformats.org/officeDocument/2006/relationships" xmlns:p="http://schemas.openxmlformats.org/presentationml/2006/main" type="twoTxTwoObj">
-  <p:cSld name="Comparison">
-    <p:spTree>
-      <p:nvGrpSpPr>
-        <p:cNvPr id="1" name=""/>
-        <p:cNvGrpSpPr/>
-        <p:nvPr/>
-      </p:nvGrpSpPr>
-      <p:grpSpPr>
-        <a:xfrm>
-          <a:off x="0" y="0"/>
-          <a:ext cx="0" cy="0"/>
-          <a:chOff x="0" y="0"/>
-          <a:chExt cx="0" cy="0"/>
-        </a:xfrm>
-      </p:grpSpPr>
-      <p:sp>
-        <p:nvSpPr>
-          <p:cNvPr id="2" name="Title 1">
-            <a:extLst>
-              <a:ext uri="{FF2B5EF4-FFF2-40B4-BE49-F238E27FC236}">
-                <a16:creationId xmlns:a16="http://schemas.microsoft.com/office/drawing/2014/main" id="{FBE05982-4128-4C74-A82F-6F0BF058E910}"/>
-              </a:ext>
-            </a:extLst>
-          </p:cNvPr>
-          <p:cNvSpPr>
-            <a:spLocks noGrp="1"/>
-          </p:cNvSpPr>
-          <p:nvPr>
-            <p:ph type="title"/>
-          </p:nvPr>
-        </p:nvSpPr>
-        <p:spPr>
-          <a:xfrm>
-            <a:off x="839788" y="365125"/>
-            <a:ext cx="10515600" cy="1325563"/>
-          </a:xfrm>
-        </p:spPr>
-        <p:txBody>
-          <a:bodyPr/>
-          <a:lstStyle/>
-          <a:p>
-            <a:r>
-              <a:rPr lang="en-US"/>
-              <a:t>Click to edit Master title style</a:t>
-            </a:r>
-          </a:p>
-        </p:txBody>
-      </p:sp>
-      <p:sp>
-        <p:nvSpPr>
-          <p:cNvPr id="3" name="Text Placeholder 2">
-            <a:extLst>
-              <a:ext uri="{FF2B5EF4-FFF2-40B4-BE49-F238E27FC236}">
-                <a16:creationId xmlns:a16="http://schemas.microsoft.com/office/drawing/2014/main" id="{0AFF7815-6F55-41D9-974B-EE38A502FCDB}"/>
-              </a:ext>
-            </a:extLst>
-          </p:cNvPr>
-          <p:cNvSpPr>
-            <a:spLocks noGrp="1"/>
-          </p:cNvSpPr>
-          <p:nvPr>
-            <p:ph type="body" idx="1"/>
-          </p:nvPr>
-        </p:nvSpPr>
-        <p:spPr>
-          <a:xfrm>
-            <a:off x="839788" y="1681163"/>
-            <a:ext cx="5157787" cy="823912"/>
-          </a:xfrm>
-        </p:spPr>
-        <p:txBody>
-          <a:bodyPr anchor="b"/>
-          <a:lstStyle>
-            <a:lvl1pPr marL="0" indent="0">
-              <a:buNone/>
-              <a:defRPr sz="2400" b="1"/>
-            </a:lvl1pPr>
-            <a:lvl2pPr marL="457200" indent="0">
-              <a:buNone/>
-              <a:defRPr sz="2000" b="1"/>
-            </a:lvl2pPr>
-            <a:lvl3pPr marL="914400" indent="0">
-              <a:buNone/>
-              <a:defRPr sz="1800" b="1"/>
-            </a:lvl3pPr>
-            <a:lvl4pPr marL="1371600" indent="0">
-              <a:buNone/>
-              <a:defRPr sz="1600" b="1"/>
-            </a:lvl4pPr>
-            <a:lvl5pPr marL="1828800" indent="0">
-              <a:buNone/>
-              <a:defRPr sz="1600" b="1"/>
-            </a:lvl5pPr>
-            <a:lvl6pPr marL="2286000" indent="0">
-              <a:buNone/>
-              <a:defRPr sz="1600" b="1"/>
-            </a:lvl6pPr>
-            <a:lvl7pPr marL="2743200" indent="0">
-              <a:buNone/>
-              <a:defRPr sz="1600" b="1"/>
-            </a:lvl7pPr>
-            <a:lvl8pPr marL="3200400" indent="0">
-              <a:buNone/>
-              <a:defRPr sz="1600" b="1"/>
-            </a:lvl8pPr>
-            <a:lvl9pPr marL="3657600" indent="0">
-              <a:buNone/>
-              <a:defRPr sz="1600" b="1"/>
-            </a:lvl9pPr>
-          </a:lstStyle>
-          <a:p>
-            <a:pPr lvl="0"/>
-            <a:r>
-              <a:rPr lang="en-US"/>
-              <a:t>Edit Master text styles</a:t>
-            </a:r>
-          </a:p>
-        </p:txBody>
-      </p:sp>
-      <p:sp>
-        <p:nvSpPr>
-          <p:cNvPr id="4" name="Content Placeholder 3">
-            <a:extLst>
-              <a:ext uri="{FF2B5EF4-FFF2-40B4-BE49-F238E27FC236}">
-                <a16:creationId xmlns:a16="http://schemas.microsoft.com/office/drawing/2014/main" id="{D2B98FC6-D6EB-4E66-9E44-3C23F16FB85D}"/>
-              </a:ext>
-            </a:extLst>
-          </p:cNvPr>
-          <p:cNvSpPr>
-            <a:spLocks noGrp="1"/>
-          </p:cNvSpPr>
-          <p:nvPr>
-            <p:ph sz="half" idx="2"/>
-          </p:nvPr>
-        </p:nvSpPr>
-        <p:spPr>
-          <a:xfrm>
-            <a:off x="839788" y="2505075"/>
-            <a:ext cx="5157787" cy="3684588"/>
-          </a:xfrm>
-        </p:spPr>
-        <p:txBody>
-          <a:bodyPr/>
-          <a:lstStyle/>
-          <a:p>
-            <a:pPr lvl="0"/>
-            <a:r>
-              <a:rPr lang="en-US"/>
-              <a:t>Edit Master text styles</a:t>
-            </a:r>
-          </a:p>
-          <a:p>
-            <a:pPr lvl="1"/>
-            <a:r>
-              <a:rPr lang="en-US"/>
-              <a:t>Second level</a:t>
-            </a:r>
-          </a:p>
-          <a:p>
-            <a:pPr lvl="2"/>
-            <a:r>
-              <a:rPr lang="en-US"/>
-              <a:t>Third level</a:t>
-            </a:r>
-          </a:p>
-          <a:p>
-            <a:pPr lvl="3"/>
-            <a:r>
-              <a:rPr lang="en-US"/>
-              <a:t>Fourth level</a:t>
-            </a:r>
-          </a:p>
-          <a:p>
-            <a:pPr lvl="4"/>
-            <a:r>
-              <a:rPr lang="en-US"/>
-              <a:t>Fifth level</a:t>
-            </a:r>
-          </a:p>
-        </p:txBody>
-      </p:sp>
-      <p:sp>
-        <p:nvSpPr>
-          <p:cNvPr id="5" name="Text Placeholder 4">
-            <a:extLst>
-              <a:ext uri="{FF2B5EF4-FFF2-40B4-BE49-F238E27FC236}">
-                <a16:creationId xmlns:a16="http://schemas.microsoft.com/office/drawing/2014/main" id="{B952DB83-BA9E-4755-9DAE-5D7142971AFE}"/>
-              </a:ext>
-            </a:extLst>
-          </p:cNvPr>
-          <p:cNvSpPr>
-            <a:spLocks noGrp="1"/>
-          </p:cNvSpPr>
-          <p:nvPr>
-            <p:ph type="body" sz="quarter" idx="3"/>
-          </p:nvPr>
-        </p:nvSpPr>
-        <p:spPr>
-          <a:xfrm>
-            <a:off x="6172200" y="1681163"/>
-            <a:ext cx="5183188" cy="823912"/>
-          </a:xfrm>
-        </p:spPr>
-        <p:txBody>
-          <a:bodyPr anchor="b"/>
-          <a:lstStyle>
-            <a:lvl1pPr marL="0" indent="0">
-              <a:buNone/>
-              <a:defRPr sz="2400" b="1"/>
-            </a:lvl1pPr>
-            <a:lvl2pPr marL="457200" indent="0">
-              <a:buNone/>
-              <a:defRPr sz="2000" b="1"/>
-            </a:lvl2pPr>
-            <a:lvl3pPr marL="914400" indent="0">
-              <a:buNone/>
-              <a:defRPr sz="1800" b="1"/>
-            </a:lvl3pPr>
-            <a:lvl4pPr marL="1371600" indent="0">
-              <a:buNone/>
-              <a:defRPr sz="1600" b="1"/>
-            </a:lvl4pPr>
-            <a:lvl5pPr marL="1828800" indent="0">
-              <a:buNone/>
-              <a:defRPr sz="1600" b="1"/>
-            </a:lvl5pPr>
-            <a:lvl6pPr marL="2286000" indent="0">
-              <a:buNone/>
-              <a:defRPr sz="1600" b="1"/>
-            </a:lvl6pPr>
-            <a:lvl7pPr marL="2743200" indent="0">
-              <a:buNone/>
-              <a:defRPr sz="1600" b="1"/>
-            </a:lvl7pPr>
-            <a:lvl8pPr marL="3200400" indent="0">
-              <a:buNone/>
-              <a:defRPr sz="1600" b="1"/>
-            </a:lvl8pPr>
-            <a:lvl9pPr marL="3657600" indent="0">
-              <a:buNone/>
-              <a:defRPr sz="1600" b="1"/>
-            </a:lvl9pPr>
-          </a:lstStyle>
-          <a:p>
-            <a:pPr lvl="0"/>
-            <a:r>
-              <a:rPr lang="en-US"/>
-              <a:t>Edit Master text styles</a:t>
-            </a:r>
-          </a:p>
-        </p:txBody>
-      </p:sp>
-      <p:sp>
-        <p:nvSpPr>
-          <p:cNvPr id="6" name="Content Placeholder 5">
-            <a:extLst>
-              <a:ext uri="{FF2B5EF4-FFF2-40B4-BE49-F238E27FC236}">
-                <a16:creationId xmlns:a16="http://schemas.microsoft.com/office/drawing/2014/main" id="{48AC0E1F-988F-49C2-BADE-8A6C0F94A8A6}"/>
-              </a:ext>
-            </a:extLst>
-          </p:cNvPr>
-          <p:cNvSpPr>
-            <a:spLocks noGrp="1"/>
-          </p:cNvSpPr>
-          <p:nvPr>
-            <p:ph sz="quarter" idx="4"/>
-          </p:nvPr>
-        </p:nvSpPr>
-        <p:spPr>
-          <a:xfrm>
-            <a:off x="6172200" y="2505075"/>
-            <a:ext cx="5183188" cy="3684588"/>
-          </a:xfrm>
-        </p:spPr>
-        <p:txBody>
-          <a:bodyPr/>
-          <a:lstStyle/>
-          <a:p>
-            <a:pPr lvl="0"/>
-            <a:r>
-              <a:rPr lang="en-US"/>
-              <a:t>Edit Master text styles</a:t>
-            </a:r>
-          </a:p>
-          <a:p>
-            <a:pPr lvl="1"/>
-            <a:r>
-              <a:rPr lang="en-US"/>
-              <a:t>Second level</a:t>
-            </a:r>
-          </a:p>
-          <a:p>
-            <a:pPr lvl="2"/>
-            <a:r>
-              <a:rPr lang="en-US"/>
-              <a:t>Third level</a:t>
-            </a:r>
-          </a:p>
-          <a:p>
-            <a:pPr lvl="3"/>
-            <a:r>
-              <a:rPr lang="en-US"/>
-              <a:t>Fourth level</a:t>
-            </a:r>
-          </a:p>
-          <a:p>
-            <a:pPr lvl="4"/>
-            <a:r>
-              <a:rPr lang="en-US"/>
-              <a:t>Fifth level</a:t>
-            </a:r>
-          </a:p>
-        </p:txBody>
-      </p:sp>
-      <p:sp>
-        <p:nvSpPr>
-          <p:cNvPr id="7" name="Date Placeholder 6">
-            <a:extLst>
-              <a:ext uri="{FF2B5EF4-FFF2-40B4-BE49-F238E27FC236}">
-                <a16:creationId xmlns:a16="http://schemas.microsoft.com/office/drawing/2014/main" id="{E9F937FE-B24B-43F8-AA79-6E6EEA685A25}"/>
-              </a:ext>
-            </a:extLst>
-          </p:cNvPr>
-          <p:cNvSpPr>
-            <a:spLocks noGrp="1"/>
-          </p:cNvSpPr>
-          <p:nvPr>
-            <p:ph type="dt" sz="half" idx="10"/>
-          </p:nvPr>
-        </p:nvSpPr>
-        <p:spPr/>
-        <p:txBody>
-          <a:bodyPr/>
-          <a:lstStyle/>
-          <a:p>
-            <a:fld id="{1279C872-40C5-4778-A459-913B2790679C}" type="datetimeFigureOut">
-              <a:rPr lang="en-US" smtClean="0"/>
-              <a:t>2/21/2019</a:t>
-            </a:fld>
-            <a:endParaRPr lang="en-US"/>
-          </a:p>
-        </p:txBody>
-      </p:sp>
-      <p:sp>
-        <p:nvSpPr>
-          <p:cNvPr id="8" name="Footer Placeholder 7">
-            <a:extLst>
-              <a:ext uri="{FF2B5EF4-FFF2-40B4-BE49-F238E27FC236}">
-                <a16:creationId xmlns:a16="http://schemas.microsoft.com/office/drawing/2014/main" id="{68827D29-E907-475D-95CD-8A4ECF082A5C}"/>
-              </a:ext>
-            </a:extLst>
-          </p:cNvPr>
-          <p:cNvSpPr>
-            <a:spLocks noGrp="1"/>
-          </p:cNvSpPr>
-          <p:nvPr>
-            <p:ph type="ftr" sz="quarter" idx="11"/>
-          </p:nvPr>
-        </p:nvSpPr>
-        <p:spPr/>
-        <p:txBody>
-          <a:bodyPr/>
-          <a:lstStyle/>
-          <a:p>
-            <a:endParaRPr lang="en-US"/>
-          </a:p>
-        </p:txBody>
-      </p:sp>
-      <p:sp>
-        <p:nvSpPr>
-          <p:cNvPr id="9" name="Slide Number Placeholder 8">
-            <a:extLst>
-              <a:ext uri="{FF2B5EF4-FFF2-40B4-BE49-F238E27FC236}">
-                <a16:creationId xmlns:a16="http://schemas.microsoft.com/office/drawing/2014/main" id="{B5F2C0BF-BBC3-41FF-9520-E5229089E22B}"/>
-              </a:ext>
-            </a:extLst>
-          </p:cNvPr>
-          <p:cNvSpPr>
-            <a:spLocks noGrp="1"/>
-          </p:cNvSpPr>
-          <p:nvPr>
-            <p:ph type="sldNum" sz="quarter" idx="12"/>
-          </p:nvPr>
-        </p:nvSpPr>
-        <p:spPr/>
-        <p:txBody>
-          <a:bodyPr/>
-          <a:lstStyle/>
-          <a:p>
-            <a:fld id="{A9750100-3570-4DE3-A91F-E57EAF767500}" type="slidenum">
-              <a:rPr lang="en-US" smtClean="0"/>
-              <a:t>‹#›</a:t>
-            </a:fld>
-            <a:endParaRPr lang="en-US"/>
-          </a:p>
-        </p:txBody>
-      </p:sp>
-    </p:spTree>
-    <p:extLst>
-      <p:ext uri="{BB962C8B-B14F-4D97-AF65-F5344CB8AC3E}">
-        <p14:creationId xmlns:p14="http://schemas.microsoft.com/office/powerpoint/2010/main" val="2071891957"/>
       </p:ext>
     </p:extLst>
   </p:cSld>
@@ -14105,9 +13052,6 @@
     <p:sldLayoutId id="2147483682" r:id="rId17"/>
     <p:sldLayoutId id="2147483683" r:id="rId18"/>
     <p:sldLayoutId id="2147483693" r:id="rId19"/>
-    <p:sldLayoutId id="2147483694" r:id="rId20"/>
-    <p:sldLayoutId id="2147483695" r:id="rId21"/>
-    <p:sldLayoutId id="2147483696" r:id="rId22"/>
   </p:sldLayoutIdLst>
   <p:transition>
     <p:fade/>
@@ -14717,1188 +13661,6 @@
 </p:sld>
 </file>
 
-<file path=ppt/slides/slide10.xml><?xml version="1.0" encoding="utf-8"?>
-<p:sld xmlns:a="http://schemas.openxmlformats.org/drawingml/2006/main" xmlns:r="http://schemas.openxmlformats.org/officeDocument/2006/relationships" xmlns:p="http://schemas.openxmlformats.org/presentationml/2006/main">
-  <p:cSld>
-    <p:spTree>
-      <p:nvGrpSpPr>
-        <p:cNvPr id="1" name=""/>
-        <p:cNvGrpSpPr/>
-        <p:nvPr/>
-      </p:nvGrpSpPr>
-      <p:grpSpPr>
-        <a:xfrm>
-          <a:off x="0" y="0"/>
-          <a:ext cx="0" cy="0"/>
-          <a:chOff x="0" y="0"/>
-          <a:chExt cx="0" cy="0"/>
-        </a:xfrm>
-      </p:grpSpPr>
-      <p:sp>
-        <p:nvSpPr>
-          <p:cNvPr id="2" name="Title 1">
-            <a:extLst>
-              <a:ext uri="{FF2B5EF4-FFF2-40B4-BE49-F238E27FC236}">
-                <a16:creationId xmlns:a16="http://schemas.microsoft.com/office/drawing/2014/main" id="{9BE05351-2724-4E97-86E0-2B4B45DBA7E5}"/>
-              </a:ext>
-            </a:extLst>
-          </p:cNvPr>
-          <p:cNvSpPr>
-            <a:spLocks noGrp="1"/>
-          </p:cNvSpPr>
-          <p:nvPr>
-            <p:ph type="title"/>
-          </p:nvPr>
-        </p:nvSpPr>
-        <p:spPr>
-          <a:xfrm>
-            <a:off x="648929" y="629266"/>
-            <a:ext cx="3505495" cy="1622321"/>
-          </a:xfrm>
-        </p:spPr>
-        <p:txBody>
-          <a:bodyPr vert="horz" lIns="91440" tIns="45720" rIns="91440" bIns="45720" rtlCol="0" anchor="ctr">
-            <a:normAutofit/>
-          </a:bodyPr>
-          <a:lstStyle/>
-          <a:p>
-            <a:r>
-              <a:rPr lang="en-US" kern="1200">
-                <a:solidFill>
-                  <a:schemeClr val="tx1"/>
-                </a:solidFill>
-                <a:latin typeface="+mn-lt"/>
-                <a:ea typeface="+mj-ea"/>
-                <a:cs typeface="+mj-cs"/>
-              </a:rPr>
-              <a:t>Third Party Embedding</a:t>
-            </a:r>
-          </a:p>
-        </p:txBody>
-      </p:sp>
-      <p:sp>
-        <p:nvSpPr>
-          <p:cNvPr id="3" name="Content Placeholder 2">
-            <a:extLst>
-              <a:ext uri="{FF2B5EF4-FFF2-40B4-BE49-F238E27FC236}">
-                <a16:creationId xmlns:a16="http://schemas.microsoft.com/office/drawing/2014/main" id="{828CFE44-D3D4-4AEA-9007-95FC2C08EAA5}"/>
-              </a:ext>
-            </a:extLst>
-          </p:cNvPr>
-          <p:cNvSpPr>
-            <a:spLocks noGrp="1"/>
-          </p:cNvSpPr>
-          <p:nvPr>
-            <p:ph sz="half" idx="1"/>
-          </p:nvPr>
-        </p:nvSpPr>
-        <p:spPr>
-          <a:xfrm>
-            <a:off x="648931" y="2438400"/>
-            <a:ext cx="3505494" cy="3785419"/>
-          </a:xfrm>
-        </p:spPr>
-        <p:txBody>
-          <a:bodyPr vert="horz" lIns="91440" tIns="45720" rIns="91440" bIns="45720" rtlCol="0">
-            <a:normAutofit/>
-          </a:bodyPr>
-          <a:lstStyle/>
-          <a:p>
-            <a:r>
-              <a:rPr lang="en-US" sz="1700" b="1"/>
-              <a:t>App authenticates using Master User Account</a:t>
-            </a:r>
-          </a:p>
-          <a:p>
-            <a:pPr marL="800100" lvl="1"/>
-            <a:r>
-              <a:rPr lang="en-US" sz="1700" spc="200"/>
-              <a:t>Your code accesses Power BI Service as master user</a:t>
-            </a:r>
-          </a:p>
-          <a:p>
-            <a:pPr marL="800100" lvl="1"/>
-            <a:r>
-              <a:rPr lang="en-US" sz="1700" spc="200"/>
-              <a:t>Embedding uses embed token instead of access token</a:t>
-            </a:r>
-          </a:p>
-          <a:p>
-            <a:pPr marL="800100" lvl="1"/>
-            <a:r>
-              <a:rPr lang="en-US" sz="1700" spc="200"/>
-              <a:t>Users don’t need AAD accounts and Power BI licenses</a:t>
-            </a:r>
-          </a:p>
-          <a:p>
-            <a:pPr marL="800100" lvl="1"/>
-            <a:r>
-              <a:rPr lang="en-US" sz="1700" spc="200"/>
-              <a:t>Your code has access to whatever master has access to</a:t>
-            </a:r>
-          </a:p>
-        </p:txBody>
-      </p:sp>
-      <p:pic>
-        <p:nvPicPr>
-          <p:cNvPr id="7" name="Content Placeholder 6">
-            <a:extLst>
-              <a:ext uri="{FF2B5EF4-FFF2-40B4-BE49-F238E27FC236}">
-                <a16:creationId xmlns:a16="http://schemas.microsoft.com/office/drawing/2014/main" id="{9B8DF230-80D9-427B-B0C9-30FFC1C23C0B}"/>
-              </a:ext>
-            </a:extLst>
-          </p:cNvPr>
-          <p:cNvPicPr>
-            <a:picLocks noGrp="1" noChangeAspect="1"/>
-          </p:cNvPicPr>
-          <p:nvPr>
-            <p:ph sz="half" idx="2"/>
-          </p:nvPr>
-        </p:nvPicPr>
-        <p:blipFill>
-          <a:blip r:embed="rId2"/>
-          <a:stretch>
-            <a:fillRect/>
-          </a:stretch>
-        </p:blipFill>
-        <p:spPr>
-          <a:xfrm>
-            <a:off x="5608319" y="2393602"/>
-            <a:ext cx="5614835" cy="1917576"/>
-          </a:xfrm>
-          <a:prstGeom prst="rect">
-            <a:avLst/>
-          </a:prstGeom>
-          <a:effectLst/>
-        </p:spPr>
-      </p:pic>
-    </p:spTree>
-    <p:extLst>
-      <p:ext uri="{BB962C8B-B14F-4D97-AF65-F5344CB8AC3E}">
-        <p14:creationId xmlns:p14="http://schemas.microsoft.com/office/powerpoint/2010/main" val="893466603"/>
-      </p:ext>
-    </p:extLst>
-  </p:cSld>
-  <p:clrMapOvr>
-    <a:masterClrMapping/>
-  </p:clrMapOvr>
-</p:sld>
-</file>
-
-<file path=ppt/slides/slide11.xml><?xml version="1.0" encoding="utf-8"?>
-<p:sld xmlns:a="http://schemas.openxmlformats.org/drawingml/2006/main" xmlns:r="http://schemas.openxmlformats.org/officeDocument/2006/relationships" xmlns:p="http://schemas.openxmlformats.org/presentationml/2006/main">
-  <p:cSld>
-    <p:spTree>
-      <p:nvGrpSpPr>
-        <p:cNvPr id="1" name=""/>
-        <p:cNvGrpSpPr/>
-        <p:nvPr/>
-      </p:nvGrpSpPr>
-      <p:grpSpPr>
-        <a:xfrm>
-          <a:off x="0" y="0"/>
-          <a:ext cx="0" cy="0"/>
-          <a:chOff x="0" y="0"/>
-          <a:chExt cx="0" cy="0"/>
-        </a:xfrm>
-      </p:grpSpPr>
-      <p:sp>
-        <p:nvSpPr>
-          <p:cNvPr id="2" name="Title 1">
-            <a:extLst>
-              <a:ext uri="{FF2B5EF4-FFF2-40B4-BE49-F238E27FC236}">
-                <a16:creationId xmlns:a16="http://schemas.microsoft.com/office/drawing/2014/main" id="{47DB6BCE-0FF3-4CAA-B503-44F614D48538}"/>
-              </a:ext>
-            </a:extLst>
-          </p:cNvPr>
-          <p:cNvSpPr>
-            <a:spLocks noGrp="1"/>
-          </p:cNvSpPr>
-          <p:nvPr>
-            <p:ph type="title"/>
-          </p:nvPr>
-        </p:nvSpPr>
-        <p:spPr/>
-        <p:txBody>
-          <a:bodyPr/>
-          <a:lstStyle/>
-          <a:p>
-            <a:r>
-              <a:rPr lang="en-US" dirty="0">
-                <a:latin typeface="+mn-lt"/>
-              </a:rPr>
-              <a:t>First Party vs Third Party Embedding</a:t>
-            </a:r>
-          </a:p>
-        </p:txBody>
-      </p:sp>
-      <p:sp>
-        <p:nvSpPr>
-          <p:cNvPr id="3" name="Text Placeholder 2">
-            <a:extLst>
-              <a:ext uri="{FF2B5EF4-FFF2-40B4-BE49-F238E27FC236}">
-                <a16:creationId xmlns:a16="http://schemas.microsoft.com/office/drawing/2014/main" id="{8E61C59B-7135-44A5-BDA5-915623729B3F}"/>
-              </a:ext>
-            </a:extLst>
-          </p:cNvPr>
-          <p:cNvSpPr>
-            <a:spLocks noGrp="1"/>
-          </p:cNvSpPr>
-          <p:nvPr>
-            <p:ph type="body" idx="1"/>
-          </p:nvPr>
-        </p:nvSpPr>
-        <p:spPr/>
-        <p:txBody>
-          <a:bodyPr/>
-          <a:lstStyle/>
-          <a:p>
-            <a:r>
-              <a:rPr lang="en-US" dirty="0"/>
-              <a:t>What scenarios use first party embedding?</a:t>
-            </a:r>
-          </a:p>
-        </p:txBody>
-      </p:sp>
-      <p:sp>
-        <p:nvSpPr>
-          <p:cNvPr id="4" name="Content Placeholder 3">
-            <a:extLst>
-              <a:ext uri="{FF2B5EF4-FFF2-40B4-BE49-F238E27FC236}">
-                <a16:creationId xmlns:a16="http://schemas.microsoft.com/office/drawing/2014/main" id="{BFC68C1C-0B2A-440E-962D-C5C0F542E8EB}"/>
-              </a:ext>
-            </a:extLst>
-          </p:cNvPr>
-          <p:cNvSpPr>
-            <a:spLocks noGrp="1"/>
-          </p:cNvSpPr>
-          <p:nvPr>
-            <p:ph sz="half" idx="2"/>
-          </p:nvPr>
-        </p:nvSpPr>
-        <p:spPr/>
-        <p:txBody>
-          <a:bodyPr/>
-          <a:lstStyle/>
-          <a:p>
-            <a:pPr marL="384048" lvl="1" indent="-182880">
-              <a:buFont typeface="Calibri" pitchFamily="34" charset="0"/>
-              <a:buChar char="◦"/>
-            </a:pPr>
-            <a:r>
-              <a:rPr lang="en-US" sz="2000" dirty="0">
-                <a:solidFill>
-                  <a:schemeClr val="tx2"/>
-                </a:solidFill>
-              </a:rPr>
-              <a:t>Organizations where users have Power BI licenses</a:t>
-            </a:r>
-          </a:p>
-          <a:p>
-            <a:pPr marL="384048" lvl="1" indent="-182880">
-              <a:buFont typeface="Calibri" pitchFamily="34" charset="0"/>
-              <a:buChar char="◦"/>
-            </a:pPr>
-            <a:r>
-              <a:rPr lang="en-US" sz="2000" dirty="0">
-                <a:solidFill>
-                  <a:schemeClr val="tx2"/>
-                </a:solidFill>
-              </a:rPr>
-              <a:t>Embedding Power BI reports in SharePoint and Teams</a:t>
-            </a:r>
-          </a:p>
-          <a:p>
-            <a:pPr marL="384048" lvl="1" indent="-182880">
-              <a:buFont typeface="Calibri" pitchFamily="34" charset="0"/>
-              <a:buChar char="◦"/>
-            </a:pPr>
-            <a:r>
-              <a:rPr lang="en-US" sz="2000" dirty="0">
-                <a:solidFill>
-                  <a:schemeClr val="tx2"/>
-                </a:solidFill>
-              </a:rPr>
-              <a:t>Development should go beyond out-of-box experience</a:t>
-            </a:r>
-          </a:p>
-          <a:p>
-            <a:endParaRPr lang="en-US" dirty="0"/>
-          </a:p>
-        </p:txBody>
-      </p:sp>
-      <p:sp>
-        <p:nvSpPr>
-          <p:cNvPr id="5" name="Text Placeholder 4">
-            <a:extLst>
-              <a:ext uri="{FF2B5EF4-FFF2-40B4-BE49-F238E27FC236}">
-                <a16:creationId xmlns:a16="http://schemas.microsoft.com/office/drawing/2014/main" id="{D4636895-B908-49D1-9DFF-A2841D9A409D}"/>
-              </a:ext>
-            </a:extLst>
-          </p:cNvPr>
-          <p:cNvSpPr>
-            <a:spLocks noGrp="1"/>
-          </p:cNvSpPr>
-          <p:nvPr>
-            <p:ph type="body" sz="quarter" idx="3"/>
-          </p:nvPr>
-        </p:nvSpPr>
-        <p:spPr/>
-        <p:txBody>
-          <a:bodyPr/>
-          <a:lstStyle/>
-          <a:p>
-            <a:r>
-              <a:rPr lang="en-US" dirty="0">
-                <a:solidFill>
-                  <a:schemeClr val="tx2"/>
-                </a:solidFill>
-              </a:rPr>
-              <a:t>What scenarios use third party embedding?</a:t>
-            </a:r>
-          </a:p>
-        </p:txBody>
-      </p:sp>
-      <p:sp>
-        <p:nvSpPr>
-          <p:cNvPr id="6" name="Content Placeholder 5">
-            <a:extLst>
-              <a:ext uri="{FF2B5EF4-FFF2-40B4-BE49-F238E27FC236}">
-                <a16:creationId xmlns:a16="http://schemas.microsoft.com/office/drawing/2014/main" id="{976746D2-A84C-4140-86F3-48477DBF59B3}"/>
-              </a:ext>
-            </a:extLst>
-          </p:cNvPr>
-          <p:cNvSpPr>
-            <a:spLocks noGrp="1"/>
-          </p:cNvSpPr>
-          <p:nvPr>
-            <p:ph sz="quarter" idx="4"/>
-          </p:nvPr>
-        </p:nvSpPr>
-        <p:spPr/>
-        <p:txBody>
-          <a:bodyPr/>
-          <a:lstStyle/>
-          <a:p>
-            <a:pPr marL="384048" lvl="1" indent="-182880">
-              <a:buFont typeface="Calibri" pitchFamily="34" charset="0"/>
-              <a:buChar char="◦"/>
-            </a:pPr>
-            <a:r>
-              <a:rPr lang="en-US" sz="2000" dirty="0">
-                <a:solidFill>
-                  <a:schemeClr val="tx2"/>
-                </a:solidFill>
-              </a:rPr>
-              <a:t>Scenarios where users don’t have Power BI licenses</a:t>
-            </a:r>
-          </a:p>
-          <a:p>
-            <a:pPr marL="384048" lvl="1" indent="-182880">
-              <a:buFont typeface="Calibri" pitchFamily="34" charset="0"/>
-              <a:buChar char="◦"/>
-            </a:pPr>
-            <a:r>
-              <a:rPr lang="en-US" sz="2000" dirty="0">
-                <a:solidFill>
-                  <a:schemeClr val="tx2"/>
-                </a:solidFill>
-              </a:rPr>
-              <a:t>Applications which have custom identity providers</a:t>
-            </a:r>
-          </a:p>
-          <a:p>
-            <a:pPr marL="384048" lvl="1" indent="-182880">
-              <a:buFont typeface="Calibri" pitchFamily="34" charset="0"/>
-              <a:buChar char="◦"/>
-            </a:pPr>
-            <a:r>
-              <a:rPr lang="en-US" sz="2000" dirty="0">
-                <a:solidFill>
-                  <a:schemeClr val="tx2"/>
-                </a:solidFill>
-              </a:rPr>
-              <a:t>Applications which use identity provider other than AAD</a:t>
-            </a:r>
-          </a:p>
-        </p:txBody>
-      </p:sp>
-    </p:spTree>
-    <p:extLst>
-      <p:ext uri="{BB962C8B-B14F-4D97-AF65-F5344CB8AC3E}">
-        <p14:creationId xmlns:p14="http://schemas.microsoft.com/office/powerpoint/2010/main" val="998052266"/>
-      </p:ext>
-    </p:extLst>
-  </p:cSld>
-  <p:clrMapOvr>
-    <a:masterClrMapping/>
-  </p:clrMapOvr>
-</p:sld>
-</file>
-
-<file path=ppt/slides/slide12.xml><?xml version="1.0" encoding="utf-8"?>
-<p:sld xmlns:a="http://schemas.openxmlformats.org/drawingml/2006/main" xmlns:r="http://schemas.openxmlformats.org/officeDocument/2006/relationships" xmlns:p="http://schemas.openxmlformats.org/presentationml/2006/main">
-  <p:cSld>
-    <p:spTree>
-      <p:nvGrpSpPr>
-        <p:cNvPr id="1" name=""/>
-        <p:cNvGrpSpPr/>
-        <p:nvPr/>
-      </p:nvGrpSpPr>
-      <p:grpSpPr>
-        <a:xfrm>
-          <a:off x="0" y="0"/>
-          <a:ext cx="0" cy="0"/>
-          <a:chOff x="0" y="0"/>
-          <a:chExt cx="0" cy="0"/>
-        </a:xfrm>
-      </p:grpSpPr>
-      <p:sp>
-        <p:nvSpPr>
-          <p:cNvPr id="7" name="Title 6">
-            <a:extLst>
-              <a:ext uri="{FF2B5EF4-FFF2-40B4-BE49-F238E27FC236}">
-                <a16:creationId xmlns:a16="http://schemas.microsoft.com/office/drawing/2014/main" id="{7140589E-7C49-40CE-8F0B-E88E616A5339}"/>
-              </a:ext>
-            </a:extLst>
-          </p:cNvPr>
-          <p:cNvSpPr>
-            <a:spLocks noGrp="1"/>
-          </p:cNvSpPr>
-          <p:nvPr>
-            <p:ph type="title"/>
-          </p:nvPr>
-        </p:nvSpPr>
-        <p:spPr>
-          <a:xfrm>
-            <a:off x="838200" y="365125"/>
-            <a:ext cx="10515600" cy="1325563"/>
-          </a:xfrm>
-        </p:spPr>
-        <p:txBody>
-          <a:bodyPr vert="horz" lIns="91440" tIns="45720" rIns="91440" bIns="45720" rtlCol="0" anchor="ctr">
-            <a:normAutofit fontScale="90000"/>
-          </a:bodyPr>
-          <a:lstStyle/>
-          <a:p>
-            <a:r>
-              <a:rPr lang="en-US" kern="1200">
-                <a:solidFill>
-                  <a:schemeClr val="tx1"/>
-                </a:solidFill>
-                <a:latin typeface="+mn-lt"/>
-                <a:ea typeface="+mj-ea"/>
-                <a:cs typeface="+mj-cs"/>
-              </a:rPr>
-              <a:t>First Party vs Third Party Embedding Cont…</a:t>
-            </a:r>
-          </a:p>
-        </p:txBody>
-      </p:sp>
-      <p:graphicFrame>
-        <p:nvGraphicFramePr>
-          <p:cNvPr id="11" name="Table Placeholder 4">
-            <a:extLst>
-              <a:ext uri="{FF2B5EF4-FFF2-40B4-BE49-F238E27FC236}">
-                <a16:creationId xmlns:a16="http://schemas.microsoft.com/office/drawing/2014/main" id="{D2F57F2A-CB73-43D6-AC45-5B4661F367D9}"/>
-              </a:ext>
-            </a:extLst>
-          </p:cNvPr>
-          <p:cNvGraphicFramePr>
-            <a:graphicFrameLocks/>
-          </p:cNvGraphicFramePr>
-          <p:nvPr>
-            <p:extLst/>
-          </p:nvPr>
-        </p:nvGraphicFramePr>
-        <p:xfrm>
-          <a:off x="1158240" y="2467758"/>
-          <a:ext cx="9875521" cy="3084539"/>
-        </p:xfrm>
-        <a:graphic>
-          <a:graphicData uri="http://schemas.openxmlformats.org/drawingml/2006/table">
-            <a:tbl>
-              <a:tblPr firstRow="1" bandRow="1">
-                <a:tableStyleId>{9D7B26C5-4107-4FEC-AEDC-1716B250A1EF}</a:tableStyleId>
-              </a:tblPr>
-              <a:tblGrid>
-                <a:gridCol w="3964077">
-                  <a:extLst>
-                    <a:ext uri="{9D8B030D-6E8A-4147-A177-3AD203B41FA5}">
-                      <a16:colId xmlns:a16="http://schemas.microsoft.com/office/drawing/2014/main" val="3869438709"/>
-                    </a:ext>
-                  </a:extLst>
-                </a:gridCol>
-                <a:gridCol w="3395981">
-                  <a:extLst>
-                    <a:ext uri="{9D8B030D-6E8A-4147-A177-3AD203B41FA5}">
-                      <a16:colId xmlns:a16="http://schemas.microsoft.com/office/drawing/2014/main" val="403614566"/>
-                    </a:ext>
-                  </a:extLst>
-                </a:gridCol>
-                <a:gridCol w="2515463">
-                  <a:extLst>
-                    <a:ext uri="{9D8B030D-6E8A-4147-A177-3AD203B41FA5}">
-                      <a16:colId xmlns:a16="http://schemas.microsoft.com/office/drawing/2014/main" val="1164080302"/>
-                    </a:ext>
-                  </a:extLst>
-                </a:gridCol>
-              </a:tblGrid>
-              <a:tr h="403837">
-                <a:tc>
-                  <a:txBody>
-                    <a:bodyPr/>
-                    <a:lstStyle/>
-                    <a:p>
-                      <a:endParaRPr lang="en-US" sz="1700"/>
-                    </a:p>
-                  </a:txBody>
-                  <a:tcPr marL="111799" marR="111799" marT="55899" marB="55899"/>
-                </a:tc>
-                <a:tc>
-                  <a:txBody>
-                    <a:bodyPr/>
-                    <a:lstStyle/>
-                    <a:p>
-                      <a:r>
-                        <a:rPr lang="en-US" sz="1700"/>
-                        <a:t>1st Part Embedding</a:t>
-                      </a:r>
-                    </a:p>
-                  </a:txBody>
-                  <a:tcPr marL="111799" marR="111799" marT="55899" marB="55899"/>
-                </a:tc>
-                <a:tc>
-                  <a:txBody>
-                    <a:bodyPr/>
-                    <a:lstStyle/>
-                    <a:p>
-                      <a:r>
-                        <a:rPr lang="en-US" sz="1700"/>
-                        <a:t>3rd Party Embedding</a:t>
-                      </a:r>
-                    </a:p>
-                  </a:txBody>
-                  <a:tcPr marL="111799" marR="111799" marT="55899" marB="55899"/>
-                </a:tc>
-                <a:extLst>
-                  <a:ext uri="{0D108BD9-81ED-4DB2-BD59-A6C34878D82A}">
-                    <a16:rowId xmlns:a16="http://schemas.microsoft.com/office/drawing/2014/main" val="3304265721"/>
-                  </a:ext>
-                </a:extLst>
-              </a:tr>
-              <a:tr h="661517">
-                <a:tc>
-                  <a:txBody>
-                    <a:bodyPr/>
-                    <a:lstStyle/>
-                    <a:p>
-                      <a:r>
-                        <a:rPr lang="en-US" sz="1700" dirty="0"/>
-                        <a:t>Authentication flow</a:t>
-                      </a:r>
-                    </a:p>
-                  </a:txBody>
-                  <a:tcPr marL="111799" marR="111799" marT="55899" marB="55899"/>
-                </a:tc>
-                <a:tc>
-                  <a:txBody>
-                    <a:bodyPr/>
-                    <a:lstStyle/>
-                    <a:p>
-                      <a:r>
-                        <a:rPr lang="en-US" sz="1700"/>
-                        <a:t>Authentication Code Grant Flow or Implicit Flow</a:t>
-                      </a:r>
-                    </a:p>
-                  </a:txBody>
-                  <a:tcPr marL="111799" marR="111799" marT="55899" marB="55899"/>
-                </a:tc>
-                <a:tc>
-                  <a:txBody>
-                    <a:bodyPr/>
-                    <a:lstStyle/>
-                    <a:p>
-                      <a:r>
-                        <a:rPr lang="en-US" sz="1700"/>
-                        <a:t>Direct User Credentials</a:t>
-                      </a:r>
-                    </a:p>
-                  </a:txBody>
-                  <a:tcPr marL="111799" marR="111799" marT="55899" marB="55899"/>
-                </a:tc>
-                <a:extLst>
-                  <a:ext uri="{0D108BD9-81ED-4DB2-BD59-A6C34878D82A}">
-                    <a16:rowId xmlns:a16="http://schemas.microsoft.com/office/drawing/2014/main" val="2858219577"/>
-                  </a:ext>
-                </a:extLst>
-              </a:tr>
-              <a:tr h="403837">
-                <a:tc>
-                  <a:txBody>
-                    <a:bodyPr/>
-                    <a:lstStyle/>
-                    <a:p>
-                      <a:r>
-                        <a:rPr lang="en-US" sz="1700"/>
-                        <a:t>I</a:t>
-                      </a:r>
-                      <a:r>
-                        <a:rPr lang="en-US" sz="1700" baseline="0"/>
-                        <a:t>dentity used to call Power BI</a:t>
-                      </a:r>
-                      <a:endParaRPr lang="en-US" sz="1700"/>
-                    </a:p>
-                  </a:txBody>
-                  <a:tcPr marL="111799" marR="111799" marT="55899" marB="55899"/>
-                </a:tc>
-                <a:tc>
-                  <a:txBody>
-                    <a:bodyPr/>
-                    <a:lstStyle/>
-                    <a:p>
-                      <a:r>
-                        <a:rPr lang="en-US" sz="1700"/>
-                        <a:t>Current User</a:t>
-                      </a:r>
-                    </a:p>
-                  </a:txBody>
-                  <a:tcPr marL="111799" marR="111799" marT="55899" marB="55899"/>
-                </a:tc>
-                <a:tc>
-                  <a:txBody>
-                    <a:bodyPr/>
-                    <a:lstStyle/>
-                    <a:p>
-                      <a:r>
-                        <a:rPr lang="en-US" sz="1700"/>
-                        <a:t>Master User Account</a:t>
-                      </a:r>
-                    </a:p>
-                  </a:txBody>
-                  <a:tcPr marL="111799" marR="111799" marT="55899" marB="55899"/>
-                </a:tc>
-                <a:extLst>
-                  <a:ext uri="{0D108BD9-81ED-4DB2-BD59-A6C34878D82A}">
-                    <a16:rowId xmlns:a16="http://schemas.microsoft.com/office/drawing/2014/main" val="476220358"/>
-                  </a:ext>
-                </a:extLst>
-              </a:tr>
-              <a:tr h="403837">
-                <a:tc>
-                  <a:txBody>
-                    <a:bodyPr/>
-                    <a:lstStyle/>
-                    <a:p>
-                      <a:r>
-                        <a:rPr lang="en-US" sz="1700"/>
-                        <a:t>Access to personal workspace</a:t>
-                      </a:r>
-                    </a:p>
-                  </a:txBody>
-                  <a:tcPr marL="111799" marR="111799" marT="55899" marB="55899"/>
-                </a:tc>
-                <a:tc>
-                  <a:txBody>
-                    <a:bodyPr/>
-                    <a:lstStyle/>
-                    <a:p>
-                      <a:r>
-                        <a:rPr lang="en-US" sz="1700"/>
-                        <a:t>Yes</a:t>
-                      </a:r>
-                    </a:p>
-                  </a:txBody>
-                  <a:tcPr marL="111799" marR="111799" marT="55899" marB="55899"/>
-                </a:tc>
-                <a:tc>
-                  <a:txBody>
-                    <a:bodyPr/>
-                    <a:lstStyle/>
-                    <a:p>
-                      <a:r>
-                        <a:rPr lang="en-US" sz="1700"/>
-                        <a:t>No</a:t>
-                      </a:r>
-                    </a:p>
-                  </a:txBody>
-                  <a:tcPr marL="111799" marR="111799" marT="55899" marB="55899"/>
-                </a:tc>
-                <a:extLst>
-                  <a:ext uri="{0D108BD9-81ED-4DB2-BD59-A6C34878D82A}">
-                    <a16:rowId xmlns:a16="http://schemas.microsoft.com/office/drawing/2014/main" val="988078112"/>
-                  </a:ext>
-                </a:extLst>
-              </a:tr>
-              <a:tr h="403837">
-                <a:tc>
-                  <a:txBody>
-                    <a:bodyPr/>
-                    <a:lstStyle/>
-                    <a:p>
-                      <a:r>
-                        <a:rPr lang="en-US" sz="1700"/>
-                        <a:t>Access to app workspaces</a:t>
-                      </a:r>
-                    </a:p>
-                  </a:txBody>
-                  <a:tcPr marL="111799" marR="111799" marT="55899" marB="55899"/>
-                </a:tc>
-                <a:tc>
-                  <a:txBody>
-                    <a:bodyPr/>
-                    <a:lstStyle/>
-                    <a:p>
-                      <a:r>
-                        <a:rPr lang="en-US" sz="1700"/>
-                        <a:t>Yes</a:t>
-                      </a:r>
-                    </a:p>
-                  </a:txBody>
-                  <a:tcPr marL="111799" marR="111799" marT="55899" marB="55899"/>
-                </a:tc>
-                <a:tc>
-                  <a:txBody>
-                    <a:bodyPr/>
-                    <a:lstStyle/>
-                    <a:p>
-                      <a:r>
-                        <a:rPr lang="en-US" sz="1700"/>
-                        <a:t>Yes</a:t>
-                      </a:r>
-                    </a:p>
-                  </a:txBody>
-                  <a:tcPr marL="111799" marR="111799" marT="55899" marB="55899"/>
-                </a:tc>
-                <a:extLst>
-                  <a:ext uri="{0D108BD9-81ED-4DB2-BD59-A6C34878D82A}">
-                    <a16:rowId xmlns:a16="http://schemas.microsoft.com/office/drawing/2014/main" val="213715270"/>
-                  </a:ext>
-                </a:extLst>
-              </a:tr>
-              <a:tr h="403837">
-                <a:tc>
-                  <a:txBody>
-                    <a:bodyPr/>
-                    <a:lstStyle/>
-                    <a:p>
-                      <a:r>
-                        <a:rPr lang="en-US" sz="1700"/>
-                        <a:t>Ability</a:t>
-                      </a:r>
-                      <a:r>
-                        <a:rPr lang="en-US" sz="1700" baseline="0"/>
-                        <a:t> to reach non-licensed users</a:t>
-                      </a:r>
-                      <a:endParaRPr lang="en-US" sz="1700"/>
-                    </a:p>
-                  </a:txBody>
-                  <a:tcPr marL="111799" marR="111799" marT="55899" marB="55899"/>
-                </a:tc>
-                <a:tc>
-                  <a:txBody>
-                    <a:bodyPr/>
-                    <a:lstStyle/>
-                    <a:p>
-                      <a:r>
-                        <a:rPr lang="en-US" sz="1700"/>
-                        <a:t>No</a:t>
-                      </a:r>
-                    </a:p>
-                  </a:txBody>
-                  <a:tcPr marL="111799" marR="111799" marT="55899" marB="55899"/>
-                </a:tc>
-                <a:tc>
-                  <a:txBody>
-                    <a:bodyPr/>
-                    <a:lstStyle/>
-                    <a:p>
-                      <a:r>
-                        <a:rPr lang="en-US" sz="1700"/>
-                        <a:t>Yes</a:t>
-                      </a:r>
-                    </a:p>
-                  </a:txBody>
-                  <a:tcPr marL="111799" marR="111799" marT="55899" marB="55899"/>
-                </a:tc>
-                <a:extLst>
-                  <a:ext uri="{0D108BD9-81ED-4DB2-BD59-A6C34878D82A}">
-                    <a16:rowId xmlns:a16="http://schemas.microsoft.com/office/drawing/2014/main" val="883782575"/>
-                  </a:ext>
-                </a:extLst>
-              </a:tr>
-              <a:tr h="403837">
-                <a:tc>
-                  <a:txBody>
-                    <a:bodyPr/>
-                    <a:lstStyle/>
-                    <a:p>
-                      <a:r>
-                        <a:rPr lang="en-US" sz="1700"/>
-                        <a:t>Supported Power BI Capacity SKUs</a:t>
-                      </a:r>
-                    </a:p>
-                  </a:txBody>
-                  <a:tcPr marL="111799" marR="111799" marT="55899" marB="55899"/>
-                </a:tc>
-                <a:tc>
-                  <a:txBody>
-                    <a:bodyPr/>
-                    <a:lstStyle/>
-                    <a:p>
-                      <a:r>
-                        <a:rPr lang="en-US" sz="1700"/>
-                        <a:t>P* and EM* SKUs</a:t>
-                      </a:r>
-                    </a:p>
-                  </a:txBody>
-                  <a:tcPr marL="111799" marR="111799" marT="55899" marB="55899"/>
-                </a:tc>
-                <a:tc>
-                  <a:txBody>
-                    <a:bodyPr/>
-                    <a:lstStyle/>
-                    <a:p>
-                      <a:r>
-                        <a:rPr lang="en-US" sz="1700" dirty="0"/>
-                        <a:t>P*, EM* and A* SKUs</a:t>
-                      </a:r>
-                    </a:p>
-                  </a:txBody>
-                  <a:tcPr marL="111799" marR="111799" marT="55899" marB="55899"/>
-                </a:tc>
-                <a:extLst>
-                  <a:ext uri="{0D108BD9-81ED-4DB2-BD59-A6C34878D82A}">
-                    <a16:rowId xmlns:a16="http://schemas.microsoft.com/office/drawing/2014/main" val="1757849280"/>
-                  </a:ext>
-                </a:extLst>
-              </a:tr>
-            </a:tbl>
-          </a:graphicData>
-        </a:graphic>
-      </p:graphicFrame>
-    </p:spTree>
-    <p:extLst>
-      <p:ext uri="{BB962C8B-B14F-4D97-AF65-F5344CB8AC3E}">
-        <p14:creationId xmlns:p14="http://schemas.microsoft.com/office/powerpoint/2010/main" val="14779335"/>
-      </p:ext>
-    </p:extLst>
-  </p:cSld>
-  <p:clrMapOvr>
-    <a:masterClrMapping/>
-  </p:clrMapOvr>
-</p:sld>
-</file>
-
-<file path=ppt/slides/slide13.xml><?xml version="1.0" encoding="utf-8"?>
-<p:sld xmlns:a="http://schemas.openxmlformats.org/drawingml/2006/main" xmlns:r="http://schemas.openxmlformats.org/officeDocument/2006/relationships" xmlns:p="http://schemas.openxmlformats.org/presentationml/2006/main">
-  <p:cSld>
-    <p:spTree>
-      <p:nvGrpSpPr>
-        <p:cNvPr id="1" name=""/>
-        <p:cNvGrpSpPr/>
-        <p:nvPr/>
-      </p:nvGrpSpPr>
-      <p:grpSpPr>
-        <a:xfrm>
-          <a:off x="0" y="0"/>
-          <a:ext cx="0" cy="0"/>
-          <a:chOff x="0" y="0"/>
-          <a:chExt cx="0" cy="0"/>
-        </a:xfrm>
-      </p:grpSpPr>
-      <p:sp>
-        <p:nvSpPr>
-          <p:cNvPr id="2" name="Title 1"/>
-          <p:cNvSpPr>
-            <a:spLocks noGrp="1"/>
-          </p:cNvSpPr>
-          <p:nvPr>
-            <p:ph type="title"/>
-          </p:nvPr>
-        </p:nvSpPr>
-        <p:spPr/>
-        <p:txBody>
-          <a:bodyPr/>
-          <a:lstStyle/>
-          <a:p>
-            <a:r>
-              <a:rPr lang="en-US" dirty="0">
-                <a:solidFill>
-                  <a:schemeClr val="tx1"/>
-                </a:solidFill>
-              </a:rPr>
-              <a:t>Wrap Up</a:t>
-            </a:r>
-          </a:p>
-        </p:txBody>
-      </p:sp>
-    </p:spTree>
-    <p:extLst>
-      <p:ext uri="{BB962C8B-B14F-4D97-AF65-F5344CB8AC3E}">
-        <p14:creationId xmlns:p14="http://schemas.microsoft.com/office/powerpoint/2010/main" val="2714070568"/>
-      </p:ext>
-    </p:extLst>
-  </p:cSld>
-  <p:clrMapOvr>
-    <a:masterClrMapping/>
-  </p:clrMapOvr>
-  <mc:AlternateContent xmlns:mc="http://schemas.openxmlformats.org/markup-compatibility/2006" xmlns:p14="http://schemas.microsoft.com/office/powerpoint/2010/main">
-    <mc:Choice Requires="p14">
-      <p:transition spd="med" p14:dur="700">
-        <p:fade/>
-      </p:transition>
-    </mc:Choice>
-    <mc:Fallback xmlns="">
-      <p:transition spd="med">
-        <p:fade/>
-      </p:transition>
-    </mc:Fallback>
-  </mc:AlternateContent>
-</p:sld>
-</file>
-
-<file path=ppt/slides/slide14.xml><?xml version="1.0" encoding="utf-8"?>
-<p:sld xmlns:a="http://schemas.openxmlformats.org/drawingml/2006/main" xmlns:r="http://schemas.openxmlformats.org/officeDocument/2006/relationships" xmlns:p="http://schemas.openxmlformats.org/presentationml/2006/main">
-  <p:cSld>
-    <p:spTree>
-      <p:nvGrpSpPr>
-        <p:cNvPr id="1" name=""/>
-        <p:cNvGrpSpPr/>
-        <p:nvPr/>
-      </p:nvGrpSpPr>
-      <p:grpSpPr>
-        <a:xfrm>
-          <a:off x="0" y="0"/>
-          <a:ext cx="0" cy="0"/>
-          <a:chOff x="0" y="0"/>
-          <a:chExt cx="0" cy="0"/>
-        </a:xfrm>
-      </p:grpSpPr>
-      <p:sp>
-        <p:nvSpPr>
-          <p:cNvPr id="2" name="Title 1"/>
-          <p:cNvSpPr>
-            <a:spLocks noGrp="1"/>
-          </p:cNvSpPr>
-          <p:nvPr>
-            <p:ph type="title"/>
-          </p:nvPr>
-        </p:nvSpPr>
-        <p:spPr/>
-        <p:txBody>
-          <a:bodyPr>
-            <a:normAutofit/>
-          </a:bodyPr>
-          <a:lstStyle/>
-          <a:p>
-            <a:r>
-              <a:rPr lang="en-US" sz="4400" dirty="0">
-                <a:solidFill>
-                  <a:schemeClr val="tx1"/>
-                </a:solidFill>
-                <a:latin typeface="Segoe UI Light" panose="020B0502040204020203" pitchFamily="34" charset="0"/>
-                <a:cs typeface="Segoe UI Light" panose="020B0502040204020203" pitchFamily="34" charset="0"/>
-              </a:rPr>
-              <a:t>Wrap-up</a:t>
-            </a:r>
-          </a:p>
-        </p:txBody>
-      </p:sp>
-      <p:sp>
-        <p:nvSpPr>
-          <p:cNvPr id="9" name="TextBox 8">
-            <a:extLst>
-              <a:ext uri="{FF2B5EF4-FFF2-40B4-BE49-F238E27FC236}">
-                <a16:creationId xmlns:a16="http://schemas.microsoft.com/office/drawing/2014/main" id="{0F86F9F9-39B5-4CE6-AF48-9ADAE40EA728}"/>
-              </a:ext>
-            </a:extLst>
-          </p:cNvPr>
-          <p:cNvSpPr txBox="1"/>
-          <p:nvPr/>
-        </p:nvSpPr>
-        <p:spPr>
-          <a:xfrm>
-            <a:off x="340285" y="1741246"/>
-            <a:ext cx="7247965" cy="3006977"/>
-          </a:xfrm>
-          <a:prstGeom prst="rect">
-            <a:avLst/>
-          </a:prstGeom>
-          <a:noFill/>
-        </p:spPr>
-        <p:txBody>
-          <a:bodyPr wrap="square" lIns="182880" tIns="146304" rIns="182880" bIns="146304" rtlCol="0">
-            <a:spAutoFit/>
-          </a:bodyPr>
-          <a:lstStyle/>
-          <a:p>
-            <a:pPr>
-              <a:lnSpc>
-                <a:spcPct val="90000"/>
-              </a:lnSpc>
-              <a:spcAft>
-                <a:spcPts val="600"/>
-              </a:spcAft>
-            </a:pPr>
-            <a:r>
-              <a:rPr lang="en-US" sz="3600" dirty="0">
-                <a:latin typeface="+mj-lt"/>
-              </a:rPr>
-              <a:t>Outcome</a:t>
-            </a:r>
-          </a:p>
-          <a:p>
-            <a:pPr>
-              <a:lnSpc>
-                <a:spcPct val="90000"/>
-              </a:lnSpc>
-              <a:spcAft>
-                <a:spcPts val="600"/>
-              </a:spcAft>
-            </a:pPr>
-            <a:r>
-              <a:rPr lang="en-US" sz="2400" dirty="0">
-                <a:latin typeface="Segoe UI Semilight" panose="020B0402040204020203" pitchFamily="34" charset="0"/>
-                <a:cs typeface="Segoe UI Semilight" panose="020B0402040204020203" pitchFamily="34" charset="0"/>
-              </a:rPr>
-              <a:t>Identify the preferred solution for the case study</a:t>
-            </a:r>
-          </a:p>
-          <a:p>
-            <a:pPr>
-              <a:lnSpc>
-                <a:spcPct val="90000"/>
-              </a:lnSpc>
-              <a:spcAft>
-                <a:spcPts val="600"/>
-              </a:spcAft>
-            </a:pPr>
-            <a:r>
-              <a:rPr lang="en-US" sz="2400" dirty="0">
-                <a:latin typeface="Segoe UI Semilight" panose="020B0402040204020203" pitchFamily="34" charset="0"/>
-                <a:cs typeface="Segoe UI Semilight" panose="020B0402040204020203" pitchFamily="34" charset="0"/>
-              </a:rPr>
-              <a:t>Identify solutions designed by other teams</a:t>
-            </a:r>
-          </a:p>
-          <a:p>
-            <a:pPr>
-              <a:lnSpc>
-                <a:spcPct val="90000"/>
-              </a:lnSpc>
-              <a:spcAft>
-                <a:spcPts val="600"/>
-              </a:spcAft>
-            </a:pPr>
-            <a:endParaRPr lang="en-US" sz="2400" dirty="0"/>
-          </a:p>
-          <a:p>
-            <a:pPr>
-              <a:lnSpc>
-                <a:spcPct val="90000"/>
-              </a:lnSpc>
-              <a:spcAft>
-                <a:spcPts val="600"/>
-              </a:spcAft>
-            </a:pPr>
-            <a:r>
-              <a:rPr lang="en-US" sz="3600" dirty="0">
-                <a:latin typeface="+mj-lt"/>
-              </a:rPr>
-              <a:t>Timeframe</a:t>
-            </a:r>
-          </a:p>
-          <a:p>
-            <a:pPr>
-              <a:lnSpc>
-                <a:spcPct val="90000"/>
-              </a:lnSpc>
-              <a:spcAft>
-                <a:spcPts val="600"/>
-              </a:spcAft>
-            </a:pPr>
-            <a:r>
-              <a:rPr lang="en-US" sz="2400" dirty="0">
-                <a:latin typeface="Segoe UI Semilight" panose="020B0402040204020203" pitchFamily="34" charset="0"/>
-                <a:cs typeface="Segoe UI Semilight" panose="020B0402040204020203" pitchFamily="34" charset="0"/>
-              </a:rPr>
-              <a:t>15 minutes</a:t>
-            </a:r>
-          </a:p>
-        </p:txBody>
-      </p:sp>
-    </p:spTree>
-    <p:extLst>
-      <p:ext uri="{BB962C8B-B14F-4D97-AF65-F5344CB8AC3E}">
-        <p14:creationId xmlns:p14="http://schemas.microsoft.com/office/powerpoint/2010/main" val="4239998353"/>
-      </p:ext>
-    </p:extLst>
-  </p:cSld>
-  <p:clrMapOvr>
-    <a:masterClrMapping/>
-  </p:clrMapOvr>
-  <mc:AlternateContent xmlns:mc="http://schemas.openxmlformats.org/markup-compatibility/2006" xmlns:p14="http://schemas.microsoft.com/office/powerpoint/2010/main">
-    <mc:Choice Requires="p14">
-      <p:transition p14:dur="0"/>
-    </mc:Choice>
-    <mc:Fallback xmlns="">
-      <p:transition/>
-    </mc:Fallback>
-  </mc:AlternateContent>
-</p:sld>
-</file>
-
-<file path=ppt/slides/slide15.xml><?xml version="1.0" encoding="utf-8"?>
-<p:sld xmlns:a="http://schemas.openxmlformats.org/drawingml/2006/main" xmlns:r="http://schemas.openxmlformats.org/officeDocument/2006/relationships" xmlns:p="http://schemas.openxmlformats.org/presentationml/2006/main">
-  <p:cSld>
-    <p:bg>
-      <p:bgPr>
-        <a:solidFill>
-          <a:schemeClr val="bg2"/>
-        </a:solidFill>
-        <a:effectLst/>
-      </p:bgPr>
-    </p:bg>
-    <p:spTree>
-      <p:nvGrpSpPr>
-        <p:cNvPr id="1" name=""/>
-        <p:cNvGrpSpPr/>
-        <p:nvPr/>
-      </p:nvGrpSpPr>
-      <p:grpSpPr>
-        <a:xfrm>
-          <a:off x="0" y="0"/>
-          <a:ext cx="0" cy="0"/>
-          <a:chOff x="0" y="0"/>
-          <a:chExt cx="0" cy="0"/>
-        </a:xfrm>
-      </p:grpSpPr>
-    </p:spTree>
-    <p:extLst>
-      <p:ext uri="{BB962C8B-B14F-4D97-AF65-F5344CB8AC3E}">
-        <p14:creationId xmlns:p14="http://schemas.microsoft.com/office/powerpoint/2010/main" val="1897784522"/>
-      </p:ext>
-    </p:extLst>
-  </p:cSld>
-  <p:clrMapOvr>
-    <a:masterClrMapping/>
-  </p:clrMapOvr>
-  <mc:AlternateContent xmlns:mc="http://schemas.openxmlformats.org/markup-compatibility/2006" xmlns:p14="http://schemas.microsoft.com/office/powerpoint/2010/main">
-    <mc:Choice Requires="p14">
-      <p:transition spd="med" p14:dur="700">
-        <p:fade/>
-      </p:transition>
-    </mc:Choice>
-    <mc:Fallback xmlns="">
-      <p:transition spd="med">
-        <p:fade/>
-      </p:transition>
-    </mc:Fallback>
-  </mc:AlternateContent>
-</p:sld>
-</file>
-
 <file path=ppt/slides/slide2.xml><?xml version="1.0" encoding="utf-8"?>
 <p:sld xmlns:a="http://schemas.openxmlformats.org/drawingml/2006/main" xmlns:r="http://schemas.openxmlformats.org/officeDocument/2006/relationships" xmlns:p="http://schemas.openxmlformats.org/presentationml/2006/main">
   <p:cSld>
@@ -16037,7 +13799,7 @@
         <p:spPr>
           <a:xfrm>
             <a:off x="340285" y="1741246"/>
-            <a:ext cx="7247965" cy="1612749"/>
+            <a:ext cx="7247965" cy="1037207"/>
           </a:xfrm>
           <a:prstGeom prst="rect">
             <a:avLst/>
@@ -16049,22 +13811,6 @@
             <a:spAutoFit/>
           </a:bodyPr>
           <a:lstStyle/>
-          <a:p>
-            <a:pPr>
-              <a:lnSpc>
-                <a:spcPct val="90000"/>
-              </a:lnSpc>
-              <a:spcAft>
-                <a:spcPts val="600"/>
-              </a:spcAft>
-            </a:pPr>
-            <a:r>
-              <a:rPr lang="en-US" sz="3600" dirty="0">
-                <a:latin typeface="+mj-lt"/>
-              </a:rPr>
-              <a:t>Abstract and learning objectives</a:t>
-            </a:r>
-          </a:p>
           <a:p>
             <a:pPr>
               <a:lnSpc>
@@ -16079,7 +13825,7 @@
                 <a:latin typeface="Segoe UI Semilight" panose="020B0402040204020203" pitchFamily="34" charset="0"/>
                 <a:cs typeface="Segoe UI Semilight" panose="020B0402040204020203" pitchFamily="34" charset="0"/>
               </a:rPr>
-              <a:t>Embed Power BI objects within applications</a:t>
+              <a:t>Resources for Power BI Embedded</a:t>
             </a:r>
           </a:p>
           <a:p>
@@ -16138,7 +13884,7 @@
           <p:cNvPr id="2" name="Title 1">
             <a:extLst>
               <a:ext uri="{FF2B5EF4-FFF2-40B4-BE49-F238E27FC236}">
-                <a16:creationId xmlns:a16="http://schemas.microsoft.com/office/drawing/2014/main" id="{6E45ECA3-86E8-49EE-AC39-6319AB1E733E}"/>
+                <a16:creationId xmlns:a16="http://schemas.microsoft.com/office/drawing/2014/main" id="{C1FFBEB0-D0D5-4959-91B1-08A4061748B5}"/>
               </a:ext>
             </a:extLst>
           </p:cNvPr>
@@ -16149,155 +13895,64 @@
             <p:ph type="title"/>
           </p:nvPr>
         </p:nvSpPr>
+        <p:spPr/>
+        <p:txBody>
+          <a:bodyPr/>
+          <a:lstStyle/>
+          <a:p>
+            <a:r>
+              <a:rPr lang="en-US" dirty="0"/>
+              <a:t>Azure Docs</a:t>
+            </a:r>
+          </a:p>
+        </p:txBody>
+      </p:sp>
+      <p:sp>
+        <p:nvSpPr>
+          <p:cNvPr id="3" name="Text Placeholder 2">
+            <a:extLst>
+              <a:ext uri="{FF2B5EF4-FFF2-40B4-BE49-F238E27FC236}">
+                <a16:creationId xmlns:a16="http://schemas.microsoft.com/office/drawing/2014/main" id="{3DB61366-31EA-4D93-B3AD-09BC18F81265}"/>
+              </a:ext>
+            </a:extLst>
+          </p:cNvPr>
+          <p:cNvSpPr>
+            <a:spLocks noGrp="1"/>
+          </p:cNvSpPr>
+          <p:nvPr>
+            <p:ph type="body" sz="quarter" idx="10"/>
+          </p:nvPr>
+        </p:nvSpPr>
         <p:spPr>
           <a:xfrm>
-            <a:off x="1179226" y="826680"/>
-            <a:ext cx="9833548" cy="1325563"/>
+            <a:off x="269239" y="1189177"/>
+            <a:ext cx="11653523" cy="1270732"/>
           </a:xfrm>
         </p:spPr>
         <p:txBody>
-          <a:bodyPr>
-            <a:normAutofit/>
-          </a:bodyPr>
+          <a:bodyPr/>
           <a:lstStyle/>
           <a:p>
-            <a:pPr algn="ctr"/>
             <a:r>
-              <a:rPr lang="en-US" sz="4000" dirty="0">
-                <a:solidFill>
-                  <a:srgbClr val="FFFFFF"/>
-                </a:solidFill>
-                <a:latin typeface="+mn-lt"/>
-              </a:rPr>
-              <a:t>Embedding Functionalities</a:t>
+              <a:rPr lang="en-US" dirty="0"/>
+              <a:t>https://docs.microsoft.com/en-us/power-bi/developer/embedding</a:t>
             </a:r>
           </a:p>
         </p:txBody>
       </p:sp>
-      <p:graphicFrame>
-        <p:nvGraphicFramePr>
-          <p:cNvPr id="4" name="Content Placeholder 3">
-            <a:extLst>
-              <a:ext uri="{FF2B5EF4-FFF2-40B4-BE49-F238E27FC236}">
-                <a16:creationId xmlns:a16="http://schemas.microsoft.com/office/drawing/2014/main" id="{3D8A345D-64BC-4940-A39E-ECE804441DBC}"/>
-              </a:ext>
-            </a:extLst>
-          </p:cNvPr>
-          <p:cNvGraphicFramePr>
-            <a:graphicFrameLocks noGrp="1"/>
-          </p:cNvGraphicFramePr>
-          <p:nvPr>
-            <p:ph idx="1"/>
-            <p:extLst>
-              <p:ext uri="{D42A27DB-BD31-4B8C-83A1-F6EECF244321}">
-                <p14:modId xmlns:p14="http://schemas.microsoft.com/office/powerpoint/2010/main" val="3542688197"/>
-              </p:ext>
-            </p:extLst>
-          </p:nvPr>
-        </p:nvGraphicFramePr>
-        <p:xfrm>
-          <a:off x="1466895" y="2731015"/>
-          <a:ext cx="9258211" cy="1395970"/>
-        </p:xfrm>
-        <a:graphic>
-          <a:graphicData uri="http://schemas.openxmlformats.org/drawingml/2006/table">
-            <a:tbl>
-              <a:tblPr firstRow="1" bandRow="1">
-                <a:tableStyleId>{9D7B26C5-4107-4FEC-AEDC-1716B250A1EF}</a:tableStyleId>
-              </a:tblPr>
-              <a:tblGrid>
-                <a:gridCol w="3107911">
-                  <a:extLst>
-                    <a:ext uri="{9D8B030D-6E8A-4147-A177-3AD203B41FA5}">
-                      <a16:colId xmlns:a16="http://schemas.microsoft.com/office/drawing/2014/main" val="4238513985"/>
-                    </a:ext>
-                  </a:extLst>
-                </a:gridCol>
-                <a:gridCol w="6150300">
-                  <a:extLst>
-                    <a:ext uri="{9D8B030D-6E8A-4147-A177-3AD203B41FA5}">
-                      <a16:colId xmlns:a16="http://schemas.microsoft.com/office/drawing/2014/main" val="2366481895"/>
-                    </a:ext>
-                  </a:extLst>
-                </a:gridCol>
-              </a:tblGrid>
-              <a:tr h="453237">
-                <a:tc>
-                  <a:txBody>
-                    <a:bodyPr/>
-                    <a:lstStyle/>
-                    <a:p>
-                      <a:endParaRPr lang="en-US" sz="1800" dirty="0"/>
-                    </a:p>
-                  </a:txBody>
-                  <a:tcPr marL="90647" marR="90647" marT="45324" marB="45324"/>
-                </a:tc>
-                <a:tc>
-                  <a:txBody>
-                    <a:bodyPr/>
-                    <a:lstStyle/>
-                    <a:p>
-                      <a:endParaRPr lang="en-US" sz="1800"/>
-                    </a:p>
-                  </a:txBody>
-                  <a:tcPr marL="90647" marR="90647" marT="45324" marB="45324"/>
-                </a:tc>
-                <a:extLst>
-                  <a:ext uri="{0D108BD9-81ED-4DB2-BD59-A6C34878D82A}">
-                    <a16:rowId xmlns:a16="http://schemas.microsoft.com/office/drawing/2014/main" val="3714568925"/>
-                  </a:ext>
-                </a:extLst>
-              </a:tr>
-              <a:tr h="942733">
-                <a:tc>
-                  <a:txBody>
-                    <a:bodyPr/>
-                    <a:lstStyle/>
-                    <a:p>
-                      <a:r>
-                        <a:rPr lang="en-US" sz="1800" dirty="0"/>
-                        <a:t>Embedding Power BI Content</a:t>
-                      </a:r>
-                    </a:p>
-                    <a:p>
-                      <a:endParaRPr lang="en-US" sz="1800" dirty="0"/>
-                    </a:p>
-                  </a:txBody>
-                  <a:tcPr marL="90647" marR="90647" marT="45324" marB="45324" anchor="ctr"/>
-                </a:tc>
-                <a:tc>
-                  <a:txBody>
-                    <a:bodyPr/>
-                    <a:lstStyle/>
-                    <a:p>
-                      <a:r>
-                        <a:rPr lang="en-US" sz="1200" dirty="0"/>
-                        <a:t>The Power BI service (SaaS) and the Power BI Embedded service in Azure (PaaS) have APIs for embedding your dashboards and reports. This feature means you can access the latest Power BI features – such as dashboards, gateways, and app workspaces – when embedding your content.</a:t>
-                      </a:r>
-                    </a:p>
-                  </a:txBody>
-                  <a:tcPr marL="90647" marR="90647" marT="45324" marB="45324" anchor="ctr"/>
-                </a:tc>
-                <a:extLst>
-                  <a:ext uri="{0D108BD9-81ED-4DB2-BD59-A6C34878D82A}">
-                    <a16:rowId xmlns:a16="http://schemas.microsoft.com/office/drawing/2014/main" val="2470177419"/>
-                  </a:ext>
-                </a:extLst>
-              </a:tr>
-            </a:tbl>
-          </a:graphicData>
-        </a:graphic>
-      </p:graphicFrame>
     </p:spTree>
     <p:extLst>
       <p:ext uri="{BB962C8B-B14F-4D97-AF65-F5344CB8AC3E}">
-        <p14:creationId xmlns:p14="http://schemas.microsoft.com/office/powerpoint/2010/main" val="3842425084"/>
+        <p14:creationId xmlns:p14="http://schemas.microsoft.com/office/powerpoint/2010/main" val="2800164833"/>
       </p:ext>
     </p:extLst>
   </p:cSld>
   <p:clrMapOvr>
     <a:masterClrMapping/>
   </p:clrMapOvr>
+  <p:transition>
+    <p:fade/>
+  </p:transition>
 </p:sld>
 </file>
 
@@ -16320,10 +13975,38 @@
       </p:grpSpPr>
       <p:sp>
         <p:nvSpPr>
-          <p:cNvPr id="3" name="Content Placeholder 2">
+          <p:cNvPr id="2" name="Title 1">
             <a:extLst>
               <a:ext uri="{FF2B5EF4-FFF2-40B4-BE49-F238E27FC236}">
-                <a16:creationId xmlns:a16="http://schemas.microsoft.com/office/drawing/2014/main" id="{96AE7EB2-BF6D-4DD8-BF8D-3CCC6F0D5A2F}"/>
+                <a16:creationId xmlns:a16="http://schemas.microsoft.com/office/drawing/2014/main" id="{567793CE-1D9A-4AC9-9809-4CAE1EFBA0A5}"/>
+              </a:ext>
+            </a:extLst>
+          </p:cNvPr>
+          <p:cNvSpPr>
+            <a:spLocks noGrp="1"/>
+          </p:cNvSpPr>
+          <p:nvPr>
+            <p:ph type="title"/>
+          </p:nvPr>
+        </p:nvSpPr>
+        <p:spPr/>
+        <p:txBody>
+          <a:bodyPr/>
+          <a:lstStyle/>
+          <a:p>
+            <a:r>
+              <a:rPr lang="en-US" dirty="0"/>
+              <a:t>Application Registration</a:t>
+            </a:r>
+          </a:p>
+        </p:txBody>
+      </p:sp>
+      <p:sp>
+        <p:nvSpPr>
+          <p:cNvPr id="3" name="Text Placeholder 2">
+            <a:extLst>
+              <a:ext uri="{FF2B5EF4-FFF2-40B4-BE49-F238E27FC236}">
+                <a16:creationId xmlns:a16="http://schemas.microsoft.com/office/drawing/2014/main" id="{6BE27837-9CDE-47BD-B618-D84610408E6F}"/>
               </a:ext>
             </a:extLst>
           </p:cNvPr>
@@ -16337,176 +14020,16 @@
         <p:spPr>
           <a:xfrm>
             <a:off x="269239" y="1189177"/>
-            <a:ext cx="11653523" cy="4749942"/>
+            <a:ext cx="11653523" cy="727700"/>
           </a:xfrm>
         </p:spPr>
         <p:txBody>
-          <a:bodyPr anchor="ctr">
-            <a:normAutofit/>
-          </a:bodyPr>
+          <a:bodyPr/>
           <a:lstStyle/>
           <a:p>
-            <a:pPr marL="342900" indent="-342900">
-              <a:spcBef>
-                <a:spcPts val="1200"/>
-              </a:spcBef>
-              <a:spcAft>
-                <a:spcPts val="200"/>
-              </a:spcAft>
-              <a:buClr>
-                <a:schemeClr val="accent1"/>
-              </a:buClr>
-              <a:buSzPct val="100000"/>
-            </a:pPr>
             <a:r>
-              <a:rPr lang="en-US" sz="2400" spc="200" dirty="0">
-                <a:solidFill>
-                  <a:schemeClr val="tx1">
-                    <a:lumMod val="95000"/>
-                  </a:schemeClr>
-                </a:solidFill>
-              </a:rPr>
-              <a:t>Provides cloud-based foundation for power BI platform</a:t>
-            </a:r>
-          </a:p>
-          <a:p>
-            <a:pPr marL="342900" lvl="1" indent="-342900">
-              <a:spcBef>
-                <a:spcPts val="1200"/>
-              </a:spcBef>
-              <a:spcAft>
-                <a:spcPts val="200"/>
-              </a:spcAft>
-              <a:buClr>
-                <a:schemeClr val="accent1"/>
-              </a:buClr>
-              <a:buSzPct val="100000"/>
-            </a:pPr>
-            <a:r>
-              <a:rPr lang="en-US" spc="200" dirty="0">
-                <a:solidFill>
-                  <a:schemeClr val="tx1">
-                    <a:lumMod val="95000"/>
-                  </a:schemeClr>
-                </a:solidFill>
-              </a:rPr>
-              <a:t>Accessible with browser through </a:t>
-            </a:r>
-            <a:r>
-              <a:rPr lang="en-US" spc="200" dirty="0">
-                <a:solidFill>
-                  <a:schemeClr val="tx1">
-                    <a:lumMod val="95000"/>
-                  </a:schemeClr>
-                </a:solidFill>
-                <a:hlinkClick r:id="rId2">
-                  <a:extLst>
-                    <a:ext uri="{A12FA001-AC4F-418D-AE19-62706E023703}">
-                      <ahyp:hlinkClr xmlns:ahyp="http://schemas.microsoft.com/office/drawing/2018/hyperlinkcolor" val="tx"/>
-                    </a:ext>
-                  </a:extLst>
-                </a:hlinkClick>
-              </a:rPr>
-              <a:t>https://app.Powerbi.Com</a:t>
-            </a:r>
-            <a:endParaRPr lang="en-US" spc="200" dirty="0">
-              <a:solidFill>
-                <a:schemeClr val="tx1">
-                  <a:lumMod val="95000"/>
-                </a:schemeClr>
-              </a:solidFill>
-            </a:endParaRPr>
-          </a:p>
-          <a:p>
-            <a:pPr marL="342900" lvl="1" indent="-342900">
-              <a:spcBef>
-                <a:spcPts val="1200"/>
-              </a:spcBef>
-              <a:spcAft>
-                <a:spcPts val="200"/>
-              </a:spcAft>
-              <a:buClr>
-                <a:schemeClr val="accent1"/>
-              </a:buClr>
-              <a:buSzPct val="100000"/>
-            </a:pPr>
-            <a:r>
-              <a:rPr lang="en-US" spc="200" dirty="0">
-                <a:solidFill>
-                  <a:schemeClr val="tx1">
-                    <a:lumMod val="95000"/>
-                  </a:schemeClr>
-                </a:solidFill>
-              </a:rPr>
-              <a:t>Accessible through power BI mobile apps</a:t>
-            </a:r>
-          </a:p>
-          <a:p>
-            <a:pPr marL="342900" lvl="1" indent="-342900">
-              <a:spcBef>
-                <a:spcPts val="1200"/>
-              </a:spcBef>
-              <a:spcAft>
-                <a:spcPts val="200"/>
-              </a:spcAft>
-              <a:buClr>
-                <a:schemeClr val="accent1"/>
-              </a:buClr>
-              <a:buSzPct val="100000"/>
-            </a:pPr>
-            <a:r>
-              <a:rPr lang="en-US" spc="200" dirty="0">
-                <a:solidFill>
-                  <a:schemeClr val="tx1">
-                    <a:lumMod val="95000"/>
-                  </a:schemeClr>
-                </a:solidFill>
-              </a:rPr>
-              <a:t>Accessible to developers through power BI service API</a:t>
-            </a:r>
-          </a:p>
-          <a:p>
-            <a:endParaRPr lang="en-US" sz="2400" dirty="0">
-              <a:solidFill>
-                <a:schemeClr val="tx1">
-                  <a:lumMod val="95000"/>
-                </a:schemeClr>
-              </a:solidFill>
-            </a:endParaRPr>
-          </a:p>
-        </p:txBody>
-      </p:sp>
-      <p:sp>
-        <p:nvSpPr>
-          <p:cNvPr id="2" name="Title 1">
-            <a:extLst>
-              <a:ext uri="{FF2B5EF4-FFF2-40B4-BE49-F238E27FC236}">
-                <a16:creationId xmlns:a16="http://schemas.microsoft.com/office/drawing/2014/main" id="{3844FE22-1C03-402F-A3BA-F7E245079CE3}"/>
-              </a:ext>
-            </a:extLst>
-          </p:cNvPr>
-          <p:cNvSpPr>
-            <a:spLocks noGrp="1"/>
-          </p:cNvSpPr>
-          <p:nvPr>
-            <p:ph type="title"/>
-          </p:nvPr>
-        </p:nvSpPr>
-        <p:spPr/>
-        <p:txBody>
-          <a:bodyPr>
-            <a:normAutofit/>
-          </a:bodyPr>
-          <a:lstStyle/>
-          <a:p>
-            <a:r>
-              <a:rPr lang="en-US" dirty="0">
-                <a:solidFill>
-                  <a:schemeClr val="accent1"/>
-                </a:solidFill>
-                <a:latin typeface="+mn-lt"/>
-              </a:rPr>
-              <a:t>Power BI Service</a:t>
+              <a:rPr lang="en-US" dirty="0"/>
+              <a:t>https://app.powerbi.com</a:t>
             </a:r>
           </a:p>
         </p:txBody>
@@ -16514,7 +14037,7 @@
     </p:spTree>
     <p:extLst>
       <p:ext uri="{BB962C8B-B14F-4D97-AF65-F5344CB8AC3E}">
-        <p14:creationId xmlns:p14="http://schemas.microsoft.com/office/powerpoint/2010/main" val="554132283"/>
+        <p14:creationId xmlns:p14="http://schemas.microsoft.com/office/powerpoint/2010/main" val="2850890864"/>
       </p:ext>
     </p:extLst>
   </p:cSld>
@@ -16549,7 +14072,7 @@
           <p:cNvPr id="2" name="Title 1">
             <a:extLst>
               <a:ext uri="{FF2B5EF4-FFF2-40B4-BE49-F238E27FC236}">
-                <a16:creationId xmlns:a16="http://schemas.microsoft.com/office/drawing/2014/main" id="{4E24AFA5-27D2-4E92-A5D5-A72899EB40E5}"/>
+                <a16:creationId xmlns:a16="http://schemas.microsoft.com/office/drawing/2014/main" id="{FF97AF09-B1E9-451C-AECC-77BC9C2E7CF8}"/>
               </a:ext>
             </a:extLst>
           </p:cNvPr>
@@ -16560,41 +14083,24 @@
             <p:ph type="title"/>
           </p:nvPr>
         </p:nvSpPr>
-        <p:spPr>
-          <a:xfrm>
-            <a:off x="648929" y="629266"/>
-            <a:ext cx="4595422" cy="1622321"/>
-          </a:xfrm>
-        </p:spPr>
+        <p:spPr/>
         <p:txBody>
-          <a:bodyPr vert="horz" lIns="91440" tIns="45720" rIns="91440" bIns="45720" rtlCol="0" anchor="ctr">
-            <a:normAutofit/>
-          </a:bodyPr>
+          <a:bodyPr/>
           <a:lstStyle/>
           <a:p>
             <a:r>
-              <a:rPr lang="en-US" b="1" dirty="0">
-                <a:latin typeface="+mn-lt"/>
-              </a:rPr>
-              <a:t>Using the Power BI Service API</a:t>
+              <a:rPr lang="en-US" dirty="0"/>
+              <a:t>Embedded Playground</a:t>
             </a:r>
-            <a:endParaRPr lang="en-US" sz="4400" kern="1200" dirty="0">
-              <a:solidFill>
-                <a:schemeClr val="tx1"/>
-              </a:solidFill>
-              <a:latin typeface="+mn-lt"/>
-              <a:ea typeface="+mj-ea"/>
-              <a:cs typeface="+mj-cs"/>
-            </a:endParaRPr>
           </a:p>
         </p:txBody>
       </p:sp>
       <p:sp>
         <p:nvSpPr>
-          <p:cNvPr id="4" name="Content Placeholder 3">
+          <p:cNvPr id="3" name="Text Placeholder 2">
             <a:extLst>
               <a:ext uri="{FF2B5EF4-FFF2-40B4-BE49-F238E27FC236}">
-                <a16:creationId xmlns:a16="http://schemas.microsoft.com/office/drawing/2014/main" id="{AF2C42A9-88FA-4F65-A5E5-04393337A5BD}"/>
+                <a16:creationId xmlns:a16="http://schemas.microsoft.com/office/drawing/2014/main" id="{CCE96B72-D629-4886-BC3A-4D00270F7873}"/>
               </a:ext>
             </a:extLst>
           </p:cNvPr>
@@ -16602,124 +14108,39 @@
             <a:spLocks noGrp="1"/>
           </p:cNvSpPr>
           <p:nvPr>
-            <p:ph sz="half" idx="2"/>
+            <p:ph type="body" sz="quarter" idx="10"/>
           </p:nvPr>
         </p:nvSpPr>
         <p:spPr>
           <a:xfrm>
-            <a:off x="648931" y="2438400"/>
-            <a:ext cx="4595422" cy="3785419"/>
+            <a:off x="269239" y="1189177"/>
+            <a:ext cx="11653523" cy="1270732"/>
           </a:xfrm>
         </p:spPr>
         <p:txBody>
-          <a:bodyPr vert="horz" lIns="91440" tIns="45720" rIns="91440" bIns="45720" rtlCol="0">
-            <a:normAutofit/>
-          </a:bodyPr>
+          <a:bodyPr/>
           <a:lstStyle/>
           <a:p>
-            <a:pPr marL="285750"/>
             <a:r>
-              <a:rPr lang="en-US" sz="1800" spc="200" dirty="0"/>
-              <a:t>Accessible by making direct REST calls against service</a:t>
+              <a:rPr lang="en-US" dirty="0"/>
+              <a:t>https://microsoft.github.io/PowerBI-JavaScript/demo/v2-demo/index.html#</a:t>
             </a:r>
-          </a:p>
-          <a:p>
-            <a:pPr marL="285750"/>
-            <a:r>
-              <a:rPr lang="en-US" sz="1800" spc="200" dirty="0"/>
-              <a:t>Accessible by using assembly DLL that abstracts away REST calls</a:t>
-            </a:r>
-          </a:p>
-          <a:p>
-            <a:pPr marL="285750"/>
-            <a:r>
-              <a:rPr lang="en-US" sz="1800" spc="200" dirty="0"/>
-              <a:t>Assembly DLL is named </a:t>
-            </a:r>
-            <a:r>
-              <a:rPr lang="en-US" sz="1800" spc="200" dirty="0" err="1"/>
-              <a:t>microsoft.Powerbi.Api.Dll</a:t>
-            </a:r>
-            <a:endParaRPr lang="en-US" sz="1800" spc="200" dirty="0"/>
-          </a:p>
-          <a:p>
-            <a:pPr marL="285750"/>
-            <a:r>
-              <a:rPr lang="en-US" sz="1800" spc="200" dirty="0"/>
-              <a:t>Assembly DLL part of </a:t>
-            </a:r>
-            <a:r>
-              <a:rPr lang="en-US" sz="1800" spc="200" dirty="0" err="1"/>
-              <a:t>nuget</a:t>
-            </a:r>
-            <a:r>
-              <a:rPr lang="en-US" sz="1800" spc="200" dirty="0"/>
-              <a:t> package (</a:t>
-            </a:r>
-            <a:r>
-              <a:rPr lang="en-US" sz="1800" b="1" spc="200" dirty="0" err="1"/>
-              <a:t>microsoft.Powerbi.Api</a:t>
-            </a:r>
-            <a:r>
-              <a:rPr lang="en-US" sz="1800" spc="200" dirty="0"/>
-              <a:t>)</a:t>
-            </a:r>
-          </a:p>
-          <a:p>
-            <a:pPr marL="285750"/>
-            <a:r>
-              <a:rPr lang="en-US" sz="1800" spc="200" dirty="0"/>
-              <a:t>Calling service requires authentication with azure active directory</a:t>
-            </a:r>
-          </a:p>
-          <a:p>
-            <a:endParaRPr lang="en-US" sz="1400" dirty="0"/>
           </a:p>
         </p:txBody>
       </p:sp>
-      <p:pic>
-        <p:nvPicPr>
-          <p:cNvPr id="10" name="Content Placeholder 9">
-            <a:extLst>
-              <a:ext uri="{FF2B5EF4-FFF2-40B4-BE49-F238E27FC236}">
-                <a16:creationId xmlns:a16="http://schemas.microsoft.com/office/drawing/2014/main" id="{4431905D-18A2-4DEC-A291-3A106A2194A2}"/>
-              </a:ext>
-            </a:extLst>
-          </p:cNvPr>
-          <p:cNvPicPr>
-            <a:picLocks noGrp="1" noChangeAspect="1"/>
-          </p:cNvPicPr>
-          <p:nvPr>
-            <p:ph sz="half" idx="1"/>
-          </p:nvPr>
-        </p:nvPicPr>
-        <p:blipFill>
-          <a:blip r:embed="rId2"/>
-          <a:stretch>
-            <a:fillRect/>
-          </a:stretch>
-        </p:blipFill>
-        <p:spPr>
-          <a:xfrm>
-            <a:off x="5608319" y="2928504"/>
-            <a:ext cx="5614835" cy="847773"/>
-          </a:xfrm>
-          <a:prstGeom prst="rect">
-            <a:avLst/>
-          </a:prstGeom>
-          <a:effectLst/>
-        </p:spPr>
-      </p:pic>
     </p:spTree>
     <p:extLst>
       <p:ext uri="{BB962C8B-B14F-4D97-AF65-F5344CB8AC3E}">
-        <p14:creationId xmlns:p14="http://schemas.microsoft.com/office/powerpoint/2010/main" val="538127946"/>
+        <p14:creationId xmlns:p14="http://schemas.microsoft.com/office/powerpoint/2010/main" val="2085292991"/>
       </p:ext>
     </p:extLst>
   </p:cSld>
   <p:clrMapOvr>
     <a:masterClrMapping/>
   </p:clrMapOvr>
+  <p:transition>
+    <p:fade/>
+  </p:transition>
 </p:sld>
 </file>
 
@@ -16742,13 +14163,7 @@
       </p:grpSpPr>
       <p:sp>
         <p:nvSpPr>
-          <p:cNvPr id="2" name="Title 1">
-            <a:extLst>
-              <a:ext uri="{FF2B5EF4-FFF2-40B4-BE49-F238E27FC236}">
-                <a16:creationId xmlns:a16="http://schemas.microsoft.com/office/drawing/2014/main" id="{CA9A8477-F3D5-4A1E-AA14-3942F2AA5A9D}"/>
-              </a:ext>
-            </a:extLst>
-          </p:cNvPr>
+          <p:cNvPr id="2" name="Title 1"/>
           <p:cNvSpPr>
             <a:spLocks noGrp="1"/>
           </p:cNvSpPr>
@@ -16756,197 +14171,58 @@
             <p:ph type="title"/>
           </p:nvPr>
         </p:nvSpPr>
-        <p:spPr>
-          <a:xfrm>
-            <a:off x="648928" y="629266"/>
-            <a:ext cx="4599432" cy="1622321"/>
-          </a:xfrm>
-        </p:spPr>
+        <p:spPr/>
         <p:txBody>
-          <a:bodyPr>
-            <a:normAutofit/>
-          </a:bodyPr>
+          <a:bodyPr/>
           <a:lstStyle/>
           <a:p>
             <a:r>
-              <a:rPr lang="en-US" sz="3700" dirty="0">
-                <a:latin typeface="+mn-lt"/>
+              <a:rPr lang="en-US" dirty="0">
+                <a:solidFill>
+                  <a:schemeClr val="tx1"/>
+                </a:solidFill>
               </a:rPr>
-              <a:t>Power BI Embedding The Big Picture</a:t>
+              <a:t>Wrap Up</a:t>
             </a:r>
           </a:p>
         </p:txBody>
       </p:sp>
-      <p:sp>
-        <p:nvSpPr>
-          <p:cNvPr id="13" name="Content Placeholder 12">
-            <a:extLst>
-              <a:ext uri="{FF2B5EF4-FFF2-40B4-BE49-F238E27FC236}">
-                <a16:creationId xmlns:a16="http://schemas.microsoft.com/office/drawing/2014/main" id="{8CDB77AE-C3E3-466C-9F51-854CCCAF56FE}"/>
-              </a:ext>
-            </a:extLst>
-          </p:cNvPr>
-          <p:cNvSpPr>
-            <a:spLocks noGrp="1"/>
-          </p:cNvSpPr>
-          <p:nvPr>
-            <p:ph idx="1"/>
-          </p:nvPr>
-        </p:nvSpPr>
-        <p:spPr>
-          <a:xfrm>
-            <a:off x="648930" y="2438400"/>
-            <a:ext cx="4599429" cy="3785419"/>
-          </a:xfrm>
-        </p:spPr>
-        <p:txBody>
-          <a:bodyPr>
-            <a:normAutofit fontScale="92500" lnSpcReduction="10000"/>
-          </a:bodyPr>
-          <a:lstStyle/>
-          <a:p>
-            <a:pPr marL="457200" indent="-514350">
-              <a:spcBef>
-                <a:spcPts val="400"/>
-              </a:spcBef>
-              <a:buFont typeface="+mj-lt"/>
-              <a:buAutoNum type="arabicPeriod"/>
-            </a:pPr>
-            <a:r>
-              <a:rPr lang="en-US" sz="2000" dirty="0"/>
-              <a:t>User launches your app using a browser</a:t>
-            </a:r>
-          </a:p>
-          <a:p>
-            <a:pPr marL="514350" indent="-514350">
-              <a:spcBef>
-                <a:spcPts val="400"/>
-              </a:spcBef>
-              <a:buFont typeface="+mj-lt"/>
-              <a:buAutoNum type="arabicPeriod"/>
-            </a:pPr>
-            <a:r>
-              <a:rPr lang="en-US" sz="2000" dirty="0"/>
-              <a:t>App authenticates with azure active directory and obtains access token </a:t>
-            </a:r>
-          </a:p>
-          <a:p>
-            <a:pPr marL="514350" indent="-514350">
-              <a:spcBef>
-                <a:spcPts val="400"/>
-              </a:spcBef>
-              <a:buFont typeface="+mj-lt"/>
-              <a:buAutoNum type="arabicPeriod"/>
-            </a:pPr>
-            <a:r>
-              <a:rPr lang="en-US" sz="2000" dirty="0"/>
-              <a:t>App uses access token to call to power BI service API</a:t>
-            </a:r>
-          </a:p>
-          <a:p>
-            <a:pPr marL="514350" indent="-514350">
-              <a:spcBef>
-                <a:spcPts val="400"/>
-              </a:spcBef>
-              <a:buFont typeface="+mj-lt"/>
-              <a:buAutoNum type="arabicPeriod"/>
-            </a:pPr>
-            <a:r>
-              <a:rPr lang="en-US" sz="2000" dirty="0"/>
-              <a:t>App retrieves data for embedded resource and passes it to browser.</a:t>
-            </a:r>
-          </a:p>
-          <a:p>
-            <a:pPr marL="514350" indent="-514350">
-              <a:spcBef>
-                <a:spcPts val="400"/>
-              </a:spcBef>
-              <a:buFont typeface="+mj-lt"/>
-              <a:buAutoNum type="arabicPeriod"/>
-            </a:pPr>
-            <a:r>
-              <a:rPr lang="en-US" sz="2000" dirty="0"/>
-              <a:t>Client-side code uses power bi </a:t>
-            </a:r>
-            <a:r>
-              <a:rPr lang="en-US" sz="2000" dirty="0" err="1"/>
-              <a:t>javascript</a:t>
-            </a:r>
-            <a:r>
-              <a:rPr lang="en-US" sz="2000" dirty="0"/>
-              <a:t> </a:t>
-            </a:r>
-            <a:r>
-              <a:rPr lang="en-US" sz="2000" dirty="0" err="1"/>
-              <a:t>api</a:t>
-            </a:r>
-            <a:r>
-              <a:rPr lang="en-US" sz="2000" dirty="0"/>
-              <a:t> to create embedded resource</a:t>
-            </a:r>
-          </a:p>
-          <a:p>
-            <a:pPr marL="514350" indent="-514350">
-              <a:spcBef>
-                <a:spcPts val="400"/>
-              </a:spcBef>
-              <a:buFont typeface="+mj-lt"/>
-              <a:buAutoNum type="arabicPeriod"/>
-            </a:pPr>
-            <a:r>
-              <a:rPr lang="en-US" sz="2000" dirty="0"/>
-              <a:t>Embedded resource session created between browser and power BI service</a:t>
-            </a:r>
-          </a:p>
-        </p:txBody>
-      </p:sp>
-      <p:pic>
-        <p:nvPicPr>
-          <p:cNvPr id="11" name="Content Placeholder 7">
-            <a:extLst>
-              <a:ext uri="{FF2B5EF4-FFF2-40B4-BE49-F238E27FC236}">
-                <a16:creationId xmlns:a16="http://schemas.microsoft.com/office/drawing/2014/main" id="{48A200A6-5BD3-489F-A0F4-7EF19324883A}"/>
-              </a:ext>
-            </a:extLst>
-          </p:cNvPr>
-          <p:cNvPicPr>
-            <a:picLocks noChangeAspect="1"/>
-          </p:cNvPicPr>
-          <p:nvPr/>
-        </p:nvPicPr>
-        <p:blipFill>
-          <a:blip r:embed="rId3"/>
-          <a:stretch>
-            <a:fillRect/>
-          </a:stretch>
-        </p:blipFill>
-        <p:spPr>
-          <a:xfrm>
-            <a:off x="5608319" y="2145201"/>
-            <a:ext cx="5614835" cy="2414379"/>
-          </a:xfrm>
-          <a:prstGeom prst="rect">
-            <a:avLst/>
-          </a:prstGeom>
-          <a:effectLst/>
-        </p:spPr>
-      </p:pic>
     </p:spTree>
     <p:extLst>
       <p:ext uri="{BB962C8B-B14F-4D97-AF65-F5344CB8AC3E}">
-        <p14:creationId xmlns:p14="http://schemas.microsoft.com/office/powerpoint/2010/main" val="3421331840"/>
+        <p14:creationId xmlns:p14="http://schemas.microsoft.com/office/powerpoint/2010/main" val="2714070568"/>
       </p:ext>
     </p:extLst>
   </p:cSld>
   <p:clrMapOvr>
     <a:masterClrMapping/>
   </p:clrMapOvr>
+  <mc:AlternateContent xmlns:mc="http://schemas.openxmlformats.org/markup-compatibility/2006" xmlns:p14="http://schemas.microsoft.com/office/powerpoint/2010/main">
+    <mc:Choice Requires="p14">
+      <p:transition spd="med" p14:dur="700">
+        <p:fade/>
+      </p:transition>
+    </mc:Choice>
+    <mc:Fallback xmlns="">
+      <p:transition spd="med">
+        <p:fade/>
+      </p:transition>
+    </mc:Fallback>
+  </mc:AlternateContent>
 </p:sld>
 </file>
 
 <file path=ppt/slides/slide8.xml><?xml version="1.0" encoding="utf-8"?>
 <p:sld xmlns:a="http://schemas.openxmlformats.org/drawingml/2006/main" xmlns:r="http://schemas.openxmlformats.org/officeDocument/2006/relationships" xmlns:p="http://schemas.openxmlformats.org/presentationml/2006/main">
   <p:cSld>
+    <p:bg>
+      <p:bgPr>
+        <a:solidFill>
+          <a:schemeClr val="bg2"/>
+        </a:solidFill>
+        <a:effectLst/>
+      </p:bgPr>
+    </p:bg>
     <p:spTree>
       <p:nvGrpSpPr>
         <p:cNvPr id="1" name=""/>
@@ -16961,356 +14237,28 @@
           <a:chExt cx="0" cy="0"/>
         </a:xfrm>
       </p:grpSpPr>
-      <p:sp>
-        <p:nvSpPr>
-          <p:cNvPr id="2" name="Title 1">
-            <a:extLst>
-              <a:ext uri="{FF2B5EF4-FFF2-40B4-BE49-F238E27FC236}">
-                <a16:creationId xmlns:a16="http://schemas.microsoft.com/office/drawing/2014/main" id="{F09B4607-1367-4235-B68C-EEDBBAD1064A}"/>
-              </a:ext>
-            </a:extLst>
-          </p:cNvPr>
-          <p:cNvSpPr>
-            <a:spLocks noGrp="1"/>
-          </p:cNvSpPr>
-          <p:nvPr>
-            <p:ph type="title"/>
-          </p:nvPr>
-        </p:nvSpPr>
-        <p:spPr>
-          <a:xfrm>
-            <a:off x="648929" y="629266"/>
-            <a:ext cx="3505495" cy="1622321"/>
-          </a:xfrm>
-        </p:spPr>
-        <p:txBody>
-          <a:bodyPr vert="horz" lIns="91440" tIns="45720" rIns="91440" bIns="45720" rtlCol="0" anchor="ctr">
-            <a:normAutofit/>
-          </a:bodyPr>
-          <a:lstStyle/>
-          <a:p>
-            <a:r>
-              <a:rPr lang="en-US" sz="3700" kern="1200">
-                <a:solidFill>
-                  <a:schemeClr val="tx1"/>
-                </a:solidFill>
-                <a:latin typeface="+mn-lt"/>
-                <a:ea typeface="+mj-ea"/>
-                <a:cs typeface="+mj-cs"/>
-              </a:rPr>
-              <a:t>Power BI Embedding – The Big Picture</a:t>
-            </a:r>
-          </a:p>
-        </p:txBody>
-      </p:sp>
-      <p:sp>
-        <p:nvSpPr>
-          <p:cNvPr id="3" name="Content Placeholder 2">
-            <a:extLst>
-              <a:ext uri="{FF2B5EF4-FFF2-40B4-BE49-F238E27FC236}">
-                <a16:creationId xmlns:a16="http://schemas.microsoft.com/office/drawing/2014/main" id="{168AE756-B1D4-4A83-AFF1-7055DEF22C9C}"/>
-              </a:ext>
-            </a:extLst>
-          </p:cNvPr>
-          <p:cNvSpPr>
-            <a:spLocks noGrp="1"/>
-          </p:cNvSpPr>
-          <p:nvPr>
-            <p:ph sz="half" idx="1"/>
-          </p:nvPr>
-        </p:nvSpPr>
-        <p:spPr>
-          <a:xfrm>
-            <a:off x="648931" y="2438400"/>
-            <a:ext cx="3505494" cy="3785419"/>
-          </a:xfrm>
-        </p:spPr>
-        <p:txBody>
-          <a:bodyPr vert="horz" lIns="91440" tIns="45720" rIns="91440" bIns="45720" rtlCol="0">
-            <a:normAutofit lnSpcReduction="10000"/>
-          </a:bodyPr>
-          <a:lstStyle/>
-          <a:p>
-            <a:pPr marL="457200">
-              <a:spcBef>
-                <a:spcPts val="400"/>
-              </a:spcBef>
-            </a:pPr>
-            <a:r>
-              <a:rPr lang="en-US" sz="1600"/>
-              <a:t>User launches your app using a browser</a:t>
-            </a:r>
-          </a:p>
-          <a:p>
-            <a:pPr marL="514350">
-              <a:spcBef>
-                <a:spcPts val="400"/>
-              </a:spcBef>
-            </a:pPr>
-            <a:r>
-              <a:rPr lang="en-US" sz="1600"/>
-              <a:t>App authenticates with azure active directory and obtains access token </a:t>
-            </a:r>
-          </a:p>
-          <a:p>
-            <a:pPr marL="514350">
-              <a:spcBef>
-                <a:spcPts val="400"/>
-              </a:spcBef>
-            </a:pPr>
-            <a:r>
-              <a:rPr lang="en-US" sz="1600"/>
-              <a:t>App uses access token to call to power BI service API</a:t>
-            </a:r>
-          </a:p>
-          <a:p>
-            <a:pPr marL="514350">
-              <a:spcBef>
-                <a:spcPts val="400"/>
-              </a:spcBef>
-            </a:pPr>
-            <a:r>
-              <a:rPr lang="en-US" sz="1600"/>
-              <a:t>App retrieves data for embedded resource and passes it to browser.</a:t>
-            </a:r>
-          </a:p>
-          <a:p>
-            <a:pPr marL="514350">
-              <a:spcBef>
-                <a:spcPts val="400"/>
-              </a:spcBef>
-            </a:pPr>
-            <a:r>
-              <a:rPr lang="en-US" sz="1600"/>
-              <a:t>Client-side code uses power bi javascript api to create embedded resource</a:t>
-            </a:r>
-          </a:p>
-          <a:p>
-            <a:pPr marL="514350">
-              <a:spcBef>
-                <a:spcPts val="400"/>
-              </a:spcBef>
-            </a:pPr>
-            <a:r>
-              <a:rPr lang="en-US" sz="1600"/>
-              <a:t>Embedded resource session created between browser and power BI service</a:t>
-            </a:r>
-          </a:p>
-          <a:p>
-            <a:endParaRPr lang="en-US" sz="1600"/>
-          </a:p>
-        </p:txBody>
-      </p:sp>
-      <p:pic>
-        <p:nvPicPr>
-          <p:cNvPr id="5" name="Content Placeholder 4">
-            <a:extLst>
-              <a:ext uri="{FF2B5EF4-FFF2-40B4-BE49-F238E27FC236}">
-                <a16:creationId xmlns:a16="http://schemas.microsoft.com/office/drawing/2014/main" id="{C5C0C6D6-9388-4167-B74C-5A2342C4A3C9}"/>
-              </a:ext>
-            </a:extLst>
-          </p:cNvPr>
-          <p:cNvPicPr>
-            <a:picLocks noGrp="1" noChangeAspect="1"/>
-          </p:cNvPicPr>
-          <p:nvPr>
-            <p:ph sz="half" idx="2"/>
-          </p:nvPr>
-        </p:nvPicPr>
-        <p:blipFill>
-          <a:blip r:embed="rId2"/>
-          <a:stretch>
-            <a:fillRect/>
-          </a:stretch>
-        </p:blipFill>
-        <p:spPr>
-          <a:xfrm>
-            <a:off x="5672294" y="965595"/>
-            <a:ext cx="5486885" cy="4773591"/>
-          </a:xfrm>
-          <a:prstGeom prst="rect">
-            <a:avLst/>
-          </a:prstGeom>
-          <a:effectLst/>
-        </p:spPr>
-      </p:pic>
     </p:spTree>
     <p:extLst>
       <p:ext uri="{BB962C8B-B14F-4D97-AF65-F5344CB8AC3E}">
-        <p14:creationId xmlns:p14="http://schemas.microsoft.com/office/powerpoint/2010/main" val="3903180212"/>
+        <p14:creationId xmlns:p14="http://schemas.microsoft.com/office/powerpoint/2010/main" val="1897784522"/>
       </p:ext>
     </p:extLst>
   </p:cSld>
   <p:clrMapOvr>
     <a:masterClrMapping/>
   </p:clrMapOvr>
-</p:sld>
-</file>
-
-<file path=ppt/slides/slide9.xml><?xml version="1.0" encoding="utf-8"?>
-<p:sld xmlns:a="http://schemas.openxmlformats.org/drawingml/2006/main" xmlns:r="http://schemas.openxmlformats.org/officeDocument/2006/relationships" xmlns:p="http://schemas.openxmlformats.org/presentationml/2006/main">
-  <p:cSld>
-    <p:spTree>
-      <p:nvGrpSpPr>
-        <p:cNvPr id="1" name=""/>
-        <p:cNvGrpSpPr/>
-        <p:nvPr/>
-      </p:nvGrpSpPr>
-      <p:grpSpPr>
-        <a:xfrm>
-          <a:off x="0" y="0"/>
-          <a:ext cx="0" cy="0"/>
-          <a:chOff x="0" y="0"/>
-          <a:chExt cx="0" cy="0"/>
-        </a:xfrm>
-      </p:grpSpPr>
-      <p:sp>
-        <p:nvSpPr>
-          <p:cNvPr id="2" name="Title 1">
-            <a:extLst>
-              <a:ext uri="{FF2B5EF4-FFF2-40B4-BE49-F238E27FC236}">
-                <a16:creationId xmlns:a16="http://schemas.microsoft.com/office/drawing/2014/main" id="{9BE05351-2724-4E97-86E0-2B4B45DBA7E5}"/>
-              </a:ext>
-            </a:extLst>
-          </p:cNvPr>
-          <p:cNvSpPr>
-            <a:spLocks noGrp="1"/>
-          </p:cNvSpPr>
-          <p:nvPr>
-            <p:ph type="title"/>
-          </p:nvPr>
-        </p:nvSpPr>
-        <p:spPr>
-          <a:xfrm>
-            <a:off x="648929" y="629266"/>
-            <a:ext cx="3505495" cy="1622321"/>
-          </a:xfrm>
-        </p:spPr>
-        <p:txBody>
-          <a:bodyPr vert="horz" lIns="91440" tIns="45720" rIns="91440" bIns="45720" rtlCol="0" anchor="ctr">
-            <a:normAutofit/>
-          </a:bodyPr>
-          <a:lstStyle/>
-          <a:p>
-            <a:r>
-              <a:rPr lang="en-US" kern="1200">
-                <a:solidFill>
-                  <a:schemeClr val="tx1"/>
-                </a:solidFill>
-                <a:latin typeface="+mn-lt"/>
-                <a:ea typeface="+mj-ea"/>
-                <a:cs typeface="+mj-cs"/>
-              </a:rPr>
-              <a:t>First Party Embedding</a:t>
-            </a:r>
-          </a:p>
-        </p:txBody>
-      </p:sp>
-      <p:sp>
-        <p:nvSpPr>
-          <p:cNvPr id="3" name="Content Placeholder 2">
-            <a:extLst>
-              <a:ext uri="{FF2B5EF4-FFF2-40B4-BE49-F238E27FC236}">
-                <a16:creationId xmlns:a16="http://schemas.microsoft.com/office/drawing/2014/main" id="{828CFE44-D3D4-4AEA-9007-95FC2C08EAA5}"/>
-              </a:ext>
-            </a:extLst>
-          </p:cNvPr>
-          <p:cNvSpPr>
-            <a:spLocks noGrp="1"/>
-          </p:cNvSpPr>
-          <p:nvPr>
-            <p:ph sz="half" idx="1"/>
-          </p:nvPr>
-        </p:nvSpPr>
-        <p:spPr>
-          <a:xfrm>
-            <a:off x="648931" y="2438400"/>
-            <a:ext cx="3505494" cy="3785419"/>
-          </a:xfrm>
-        </p:spPr>
-        <p:txBody>
-          <a:bodyPr vert="horz" lIns="91440" tIns="45720" rIns="91440" bIns="45720" rtlCol="0">
-            <a:normAutofit/>
-          </a:bodyPr>
-          <a:lstStyle/>
-          <a:p>
-            <a:r>
-              <a:rPr lang="en-US" sz="2000"/>
-              <a:t>App authenticates current user with Azure AD</a:t>
-            </a:r>
-          </a:p>
-          <a:p>
-            <a:r>
-              <a:rPr lang="en-US" sz="2000"/>
-              <a:t>Your code accesses Power BI Service as current user</a:t>
-            </a:r>
-          </a:p>
-          <a:p>
-            <a:r>
-              <a:rPr lang="en-US" sz="2000"/>
-              <a:t>Embedding requires Azure AD access token for user</a:t>
-            </a:r>
-          </a:p>
-          <a:p>
-            <a:r>
-              <a:rPr lang="en-US" sz="2000"/>
-              <a:t>User requires Azure AD account and Power BI license</a:t>
-            </a:r>
-          </a:p>
-          <a:p>
-            <a:r>
-              <a:rPr lang="en-US" sz="2000"/>
-              <a:t>Your code has access to whatever user has access to</a:t>
-            </a:r>
-          </a:p>
-          <a:p>
-            <a:endParaRPr lang="en-US" sz="2000"/>
-          </a:p>
-        </p:txBody>
-      </p:sp>
-      <p:pic>
-        <p:nvPicPr>
-          <p:cNvPr id="5" name="Content Placeholder 4">
-            <a:extLst>
-              <a:ext uri="{FF2B5EF4-FFF2-40B4-BE49-F238E27FC236}">
-                <a16:creationId xmlns:a16="http://schemas.microsoft.com/office/drawing/2014/main" id="{5395AC01-85B1-49F5-B8AB-C0F7BB0CDA3E}"/>
-              </a:ext>
-            </a:extLst>
-          </p:cNvPr>
-          <p:cNvPicPr>
-            <a:picLocks noGrp="1" noChangeAspect="1"/>
-          </p:cNvPicPr>
-          <p:nvPr>
-            <p:ph sz="half" idx="2"/>
-          </p:nvPr>
-        </p:nvPicPr>
-        <p:blipFill>
-          <a:blip r:embed="rId2"/>
-          <a:stretch>
-            <a:fillRect/>
-          </a:stretch>
-        </p:blipFill>
-        <p:spPr>
-          <a:xfrm>
-            <a:off x="5608319" y="2393602"/>
-            <a:ext cx="5614835" cy="1917576"/>
-          </a:xfrm>
-          <a:prstGeom prst="rect">
-            <a:avLst/>
-          </a:prstGeom>
-          <a:effectLst/>
-        </p:spPr>
-      </p:pic>
-    </p:spTree>
-    <p:extLst>
-      <p:ext uri="{BB962C8B-B14F-4D97-AF65-F5344CB8AC3E}">
-        <p14:creationId xmlns:p14="http://schemas.microsoft.com/office/powerpoint/2010/main" val="878665244"/>
-      </p:ext>
-    </p:extLst>
-  </p:cSld>
-  <p:clrMapOvr>
-    <a:masterClrMapping/>
-  </p:clrMapOvr>
+  <mc:AlternateContent xmlns:mc="http://schemas.openxmlformats.org/markup-compatibility/2006" xmlns:p14="http://schemas.microsoft.com/office/powerpoint/2010/main">
+    <mc:Choice Requires="p14">
+      <p:transition spd="med" p14:dur="700">
+        <p:fade/>
+      </p:transition>
+    </mc:Choice>
+    <mc:Fallback xmlns="">
+      <p:transition spd="med">
+        <p:fade/>
+      </p:transition>
+    </mc:Fallback>
+  </mc:AlternateContent>
 </p:sld>
 </file>
 
@@ -18180,12 +15128,12 @@
 </file>
 
 <file path=customXml/item1.xml><?xml version="1.0" encoding="utf-8"?>
-<?mso-contentType ?>
-<FormTemplates xmlns="http://schemas.microsoft.com/sharepoint/v3/contenttype/forms">
-  <Display>DocumentLibraryForm</Display>
-  <Edit>DocumentLibraryForm</Edit>
-  <New>DocumentLibraryForm</New>
-</FormTemplates>
+<p:properties xmlns:p="http://schemas.microsoft.com/office/2006/metadata/properties" xmlns:xsi="http://www.w3.org/2001/XMLSchema-instance" xmlns:pc="http://schemas.microsoft.com/office/infopath/2007/PartnerControls">
+  <documentManagement>
+    <_ip_UnifiedCompliancePolicyUIAction xmlns="http://schemas.microsoft.com/sharepoint/v3" xsi:nil="true"/>
+    <_ip_UnifiedCompliancePolicyProperties xmlns="http://schemas.microsoft.com/sharepoint/v3" xsi:nil="true"/>
+  </documentManagement>
+</p:properties>
 </file>
 
 <file path=customXml/item2.xml><?xml version="1.0" encoding="utf-8"?>
@@ -18391,18 +15339,28 @@
 </file>
 
 <file path=customXml/item3.xml><?xml version="1.0" encoding="utf-8"?>
-<p:properties xmlns:p="http://schemas.microsoft.com/office/2006/metadata/properties" xmlns:xsi="http://www.w3.org/2001/XMLSchema-instance" xmlns:pc="http://schemas.microsoft.com/office/infopath/2007/PartnerControls">
-  <documentManagement>
-    <_ip_UnifiedCompliancePolicyUIAction xmlns="http://schemas.microsoft.com/sharepoint/v3" xsi:nil="true"/>
-    <_ip_UnifiedCompliancePolicyProperties xmlns="http://schemas.microsoft.com/sharepoint/v3" xsi:nil="true"/>
-  </documentManagement>
-</p:properties>
+<?mso-contentType ?>
+<FormTemplates xmlns="http://schemas.microsoft.com/sharepoint/v3/contenttype/forms">
+  <Display>DocumentLibraryForm</Display>
+  <Edit>DocumentLibraryForm</Edit>
+  <New>DocumentLibraryForm</New>
+</FormTemplates>
 </file>
 
 <file path=customXml/itemProps1.xml><?xml version="1.0" encoding="utf-8"?>
-<ds:datastoreItem xmlns:ds="http://schemas.openxmlformats.org/officeDocument/2006/customXml" ds:itemID="{F18501AF-04CF-4482-BAE1-607B49DDC378}">
+<ds:datastoreItem xmlns:ds="http://schemas.openxmlformats.org/officeDocument/2006/customXml" ds:itemID="{BAF7D529-36AB-45DA-B239-2F912F2D1610}">
   <ds:schemaRefs>
-    <ds:schemaRef ds:uri="http://schemas.microsoft.com/sharepoint/v3/contenttype/forms"/>
+    <ds:schemaRef ds:uri="http://schemas.microsoft.com/office/2006/metadata/properties"/>
+    <ds:schemaRef ds:uri="d9c797ad-d7c3-4982-82b7-81352a75e4a5"/>
+    <ds:schemaRef ds:uri="http://purl.org/dc/terms/"/>
+    <ds:schemaRef ds:uri="2023ac63-7b75-4916-a9ee-591457758eee"/>
+    <ds:schemaRef ds:uri="http://purl.org/dc/elements/1.1/"/>
+    <ds:schemaRef ds:uri="http://schemas.openxmlformats.org/package/2006/metadata/core-properties"/>
+    <ds:schemaRef ds:uri="http://purl.org/dc/dcmitype/"/>
+    <ds:schemaRef ds:uri="http://schemas.microsoft.com/office/2006/documentManagement/types"/>
+    <ds:schemaRef ds:uri="http://schemas.microsoft.com/office/infopath/2007/PartnerControls"/>
+    <ds:schemaRef ds:uri="http://schemas.microsoft.com/sharepoint/v3"/>
+    <ds:schemaRef ds:uri="http://www.w3.org/XML/1998/namespace"/>
   </ds:schemaRefs>
 </ds:datastoreItem>
 </file>
@@ -18428,19 +15386,9 @@
 </file>
 
 <file path=customXml/itemProps3.xml><?xml version="1.0" encoding="utf-8"?>
-<ds:datastoreItem xmlns:ds="http://schemas.openxmlformats.org/officeDocument/2006/customXml" ds:itemID="{BAF7D529-36AB-45DA-B239-2F912F2D1610}">
+<ds:datastoreItem xmlns:ds="http://schemas.openxmlformats.org/officeDocument/2006/customXml" ds:itemID="{F18501AF-04CF-4482-BAE1-607B49DDC378}">
   <ds:schemaRefs>
-    <ds:schemaRef ds:uri="http://schemas.microsoft.com/office/2006/metadata/properties"/>
-    <ds:schemaRef ds:uri="d9c797ad-d7c3-4982-82b7-81352a75e4a5"/>
-    <ds:schemaRef ds:uri="http://purl.org/dc/terms/"/>
-    <ds:schemaRef ds:uri="2023ac63-7b75-4916-a9ee-591457758eee"/>
-    <ds:schemaRef ds:uri="http://purl.org/dc/elements/1.1/"/>
-    <ds:schemaRef ds:uri="http://schemas.openxmlformats.org/package/2006/metadata/core-properties"/>
-    <ds:schemaRef ds:uri="http://purl.org/dc/dcmitype/"/>
-    <ds:schemaRef ds:uri="http://schemas.microsoft.com/office/2006/documentManagement/types"/>
-    <ds:schemaRef ds:uri="http://schemas.microsoft.com/office/infopath/2007/PartnerControls"/>
-    <ds:schemaRef ds:uri="http://schemas.microsoft.com/sharepoint/v3"/>
-    <ds:schemaRef ds:uri="http://www.w3.org/XML/1998/namespace"/>
+    <ds:schemaRef ds:uri="http://schemas.microsoft.com/sharepoint/v3/contenttype/forms"/>
   </ds:schemaRefs>
 </ds:datastoreItem>
 </file>
--- a/Hands-on Modules/Embedding/8. Resources.pptx
+++ b/Hands-on Modules/Embedding/8. Resources.pptx
@@ -16,7 +16,7 @@
     <p:sldId id="335" r:id="rId10"/>
     <p:sldId id="336" r:id="rId11"/>
     <p:sldId id="333" r:id="rId12"/>
-    <p:sldId id="315" r:id="rId13"/>
+    <p:sldId id="337" r:id="rId13"/>
   </p:sldIdLst>
   <p:sldSz cx="12192000" cy="6858000"/>
   <p:notesSz cx="6858000" cy="9144000"/>
@@ -214,7 +214,7 @@
           <a:p>
             <a:fld id="{52A13B17-C506-4D51-BB37-16B365906619}" type="datetimeFigureOut">
               <a:rPr lang="en-US" smtClean="0"/>
-              <a:t>2/26/2019</a:t>
+              <a:t>2/27/2019</a:t>
             </a:fld>
             <a:endParaRPr lang="en-US"/>
           </a:p>
@@ -763,7 +763,7 @@
           <a:p>
             <a:fld id="{35A2D088-BDBD-41A5-ADCE-5C6A4DC08057}" type="datetime8">
               <a:rPr lang="en-US" smtClean="0"/>
-              <a:t>2/26/2019 10:34 AM</a:t>
+              <a:t>2/27/2019 5:10 PM</a:t>
             </a:fld>
             <a:endParaRPr lang="en-US" dirty="0"/>
           </a:p>
@@ -1028,7 +1028,7 @@
           <a:p>
             <a:fld id="{35A2D088-BDBD-41A5-ADCE-5C6A4DC08057}" type="datetime8">
               <a:rPr lang="en-US" smtClean="0"/>
-              <a:t>2/26/2019 10:34 AM</a:t>
+              <a:t>2/27/2019 5:10 PM</a:t>
             </a:fld>
             <a:endParaRPr lang="en-US" dirty="0"/>
           </a:p>
@@ -1178,7 +1178,7 @@
                   <a:prstClr val="black"/>
                 </a:solidFill>
               </a:rPr>
-              <a:t>2/26/2019 10:34 AM</a:t>
+              <a:t>2/27/2019 5:12 PM</a:t>
             </a:fld>
             <a:endParaRPr lang="en-US" dirty="0">
               <a:solidFill>
@@ -11324,7 +11324,7 @@
             <a:fld id="{2E809A50-B28D-413A-915D-87F91E5248C6}" type="datetimeFigureOut">
               <a:rPr lang="en-US" smtClean="0"/>
               <a:pPr/>
-              <a:t>2/26/2019</a:t>
+              <a:t>2/27/2019</a:t>
             </a:fld>
             <a:endParaRPr lang="en-US"/>
           </a:p>
@@ -14215,14 +14215,6 @@
 <file path=ppt/slides/slide8.xml><?xml version="1.0" encoding="utf-8"?>
 <p:sld xmlns:a="http://schemas.openxmlformats.org/drawingml/2006/main" xmlns:r="http://schemas.openxmlformats.org/officeDocument/2006/relationships" xmlns:p="http://schemas.openxmlformats.org/presentationml/2006/main">
   <p:cSld>
-    <p:bg>
-      <p:bgPr>
-        <a:solidFill>
-          <a:schemeClr val="bg2"/>
-        </a:solidFill>
-        <a:effectLst/>
-      </p:bgPr>
-    </p:bg>
     <p:spTree>
       <p:nvGrpSpPr>
         <p:cNvPr id="1" name=""/>
@@ -14240,7 +14232,7 @@
     </p:spTree>
     <p:extLst>
       <p:ext uri="{BB962C8B-B14F-4D97-AF65-F5344CB8AC3E}">
-        <p14:creationId xmlns:p14="http://schemas.microsoft.com/office/powerpoint/2010/main" val="1897784522"/>
+        <p14:creationId xmlns:p14="http://schemas.microsoft.com/office/powerpoint/2010/main" val="3573392335"/>
       </p:ext>
     </p:extLst>
   </p:cSld>
@@ -15128,12 +15120,12 @@
 </file>
 
 <file path=customXml/item1.xml><?xml version="1.0" encoding="utf-8"?>
-<p:properties xmlns:p="http://schemas.microsoft.com/office/2006/metadata/properties" xmlns:xsi="http://www.w3.org/2001/XMLSchema-instance" xmlns:pc="http://schemas.microsoft.com/office/infopath/2007/PartnerControls">
-  <documentManagement>
-    <_ip_UnifiedCompliancePolicyUIAction xmlns="http://schemas.microsoft.com/sharepoint/v3" xsi:nil="true"/>
-    <_ip_UnifiedCompliancePolicyProperties xmlns="http://schemas.microsoft.com/sharepoint/v3" xsi:nil="true"/>
-  </documentManagement>
-</p:properties>
+<?mso-contentType ?>
+<FormTemplates xmlns="http://schemas.microsoft.com/sharepoint/v3/contenttype/forms">
+  <Display>DocumentLibraryForm</Display>
+  <Edit>DocumentLibraryForm</Edit>
+  <New>DocumentLibraryForm</New>
+</FormTemplates>
 </file>
 
 <file path=customXml/item2.xml><?xml version="1.0" encoding="utf-8"?>
@@ -15339,28 +15331,18 @@
 </file>
 
 <file path=customXml/item3.xml><?xml version="1.0" encoding="utf-8"?>
-<?mso-contentType ?>
-<FormTemplates xmlns="http://schemas.microsoft.com/sharepoint/v3/contenttype/forms">
-  <Display>DocumentLibraryForm</Display>
-  <Edit>DocumentLibraryForm</Edit>
-  <New>DocumentLibraryForm</New>
-</FormTemplates>
+<p:properties xmlns:p="http://schemas.microsoft.com/office/2006/metadata/properties" xmlns:xsi="http://www.w3.org/2001/XMLSchema-instance" xmlns:pc="http://schemas.microsoft.com/office/infopath/2007/PartnerControls">
+  <documentManagement>
+    <_ip_UnifiedCompliancePolicyUIAction xmlns="http://schemas.microsoft.com/sharepoint/v3" xsi:nil="true"/>
+    <_ip_UnifiedCompliancePolicyProperties xmlns="http://schemas.microsoft.com/sharepoint/v3" xsi:nil="true"/>
+  </documentManagement>
+</p:properties>
 </file>
 
 <file path=customXml/itemProps1.xml><?xml version="1.0" encoding="utf-8"?>
-<ds:datastoreItem xmlns:ds="http://schemas.openxmlformats.org/officeDocument/2006/customXml" ds:itemID="{BAF7D529-36AB-45DA-B239-2F912F2D1610}">
+<ds:datastoreItem xmlns:ds="http://schemas.openxmlformats.org/officeDocument/2006/customXml" ds:itemID="{F18501AF-04CF-4482-BAE1-607B49DDC378}">
   <ds:schemaRefs>
-    <ds:schemaRef ds:uri="http://schemas.microsoft.com/office/2006/metadata/properties"/>
-    <ds:schemaRef ds:uri="d9c797ad-d7c3-4982-82b7-81352a75e4a5"/>
-    <ds:schemaRef ds:uri="http://purl.org/dc/terms/"/>
-    <ds:schemaRef ds:uri="2023ac63-7b75-4916-a9ee-591457758eee"/>
-    <ds:schemaRef ds:uri="http://purl.org/dc/elements/1.1/"/>
-    <ds:schemaRef ds:uri="http://schemas.openxmlformats.org/package/2006/metadata/core-properties"/>
-    <ds:schemaRef ds:uri="http://purl.org/dc/dcmitype/"/>
-    <ds:schemaRef ds:uri="http://schemas.microsoft.com/office/2006/documentManagement/types"/>
-    <ds:schemaRef ds:uri="http://schemas.microsoft.com/office/infopath/2007/PartnerControls"/>
-    <ds:schemaRef ds:uri="http://schemas.microsoft.com/sharepoint/v3"/>
-    <ds:schemaRef ds:uri="http://www.w3.org/XML/1998/namespace"/>
+    <ds:schemaRef ds:uri="http://schemas.microsoft.com/sharepoint/v3/contenttype/forms"/>
   </ds:schemaRefs>
 </ds:datastoreItem>
 </file>
@@ -15386,9 +15368,19 @@
 </file>
 
 <file path=customXml/itemProps3.xml><?xml version="1.0" encoding="utf-8"?>
-<ds:datastoreItem xmlns:ds="http://schemas.openxmlformats.org/officeDocument/2006/customXml" ds:itemID="{F18501AF-04CF-4482-BAE1-607B49DDC378}">
+<ds:datastoreItem xmlns:ds="http://schemas.openxmlformats.org/officeDocument/2006/customXml" ds:itemID="{BAF7D529-36AB-45DA-B239-2F912F2D1610}">
   <ds:schemaRefs>
-    <ds:schemaRef ds:uri="http://schemas.microsoft.com/sharepoint/v3/contenttype/forms"/>
+    <ds:schemaRef ds:uri="http://schemas.microsoft.com/office/2006/metadata/properties"/>
+    <ds:schemaRef ds:uri="d9c797ad-d7c3-4982-82b7-81352a75e4a5"/>
+    <ds:schemaRef ds:uri="http://purl.org/dc/terms/"/>
+    <ds:schemaRef ds:uri="2023ac63-7b75-4916-a9ee-591457758eee"/>
+    <ds:schemaRef ds:uri="http://purl.org/dc/elements/1.1/"/>
+    <ds:schemaRef ds:uri="http://schemas.openxmlformats.org/package/2006/metadata/core-properties"/>
+    <ds:schemaRef ds:uri="http://purl.org/dc/dcmitype/"/>
+    <ds:schemaRef ds:uri="http://schemas.microsoft.com/office/2006/documentManagement/types"/>
+    <ds:schemaRef ds:uri="http://schemas.microsoft.com/office/infopath/2007/PartnerControls"/>
+    <ds:schemaRef ds:uri="http://schemas.microsoft.com/sharepoint/v3"/>
+    <ds:schemaRef ds:uri="http://www.w3.org/XML/1998/namespace"/>
   </ds:schemaRefs>
 </ds:datastoreItem>
 </file>